--- a/college_internship_presentation.pptx
+++ b/college_internship_presentation.pptx
@@ -126,7 +126,7 @@
   </p:defaultTextStyle>
   <p:extLst>
     <p:ext uri="{EFAFB233-063F-42B5-8137-9DF3F51BA10A}">
-      <p15:sldGuideLst xmlns="" xmlns:p15="http://schemas.microsoft.com/office/powerpoint/2012/main">
+      <p15:sldGuideLst xmlns:p15="http://schemas.microsoft.com/office/powerpoint/2012/main" xmlns="">
         <p15:guide id="1" orient="horz" pos="2160" userDrawn="1">
           <p15:clr>
             <a:srgbClr val="A4A3A4"/>
@@ -148,7 +148,7 @@
   <p:cmAuthor id="1" name="ADITYA HOD_ECE1" initials="AH" lastIdx="1" clrIdx="0">
     <p:extLst>
       <p:ext uri="{19B8F6BF-5375-455C-9EA6-DF929625EA0E}">
-        <p15:presenceInfo xmlns="" xmlns:p15="http://schemas.microsoft.com/office/powerpoint/2012/main" userId="S::hod_ece1@aec.edu.in::f37f0aa4-ff2c-41c5-b3da-1eb7cea00d82" providerId="AD"/>
+        <p15:presenceInfo xmlns:p15="http://schemas.microsoft.com/office/powerpoint/2012/main" xmlns="" userId="S::hod_ece1@aec.edu.in::f37f0aa4-ff2c-41c5-b3da-1eb7cea00d82" providerId="AD"/>
       </p:ext>
     </p:extLst>
   </p:cmAuthor>
@@ -238,7 +238,7 @@
             <a:fld id="{3F2DB80D-D8DC-40C9-8603-2D92EB853E85}" type="datetimeFigureOut">
               <a:rPr lang="en-US" smtClean="0"/>
               <a:pPr/>
-              <a:t>10/24/2022</a:t>
+              <a:t>10/25/2022</a:t>
             </a:fld>
             <a:endParaRPr lang="en-US" dirty="0"/>
           </a:p>
@@ -406,7 +406,7 @@
             <a:fld id="{C7EF2DC9-9E6B-4115-80F7-AF3C0B919820}" type="datetimeFigureOut">
               <a:rPr lang="en-US" smtClean="0"/>
               <a:pPr/>
-              <a:t>10/24/2022</a:t>
+              <a:t>10/25/2022</a:t>
             </a:fld>
             <a:endParaRPr lang="en-US" dirty="0"/>
           </a:p>
@@ -883,7 +883,7 @@
           <p:cNvPr id="7" name="Title 1">
             <a:extLst>
               <a:ext uri="{FF2B5EF4-FFF2-40B4-BE49-F238E27FC236}">
-                <a16:creationId xmlns:a16="http://schemas.microsoft.com/office/drawing/2014/main" xmlns="" id="{5958E5E2-6682-4BC1-BE42-9B3D8EFAAB0B}"/>
+                <a16:creationId xmlns="" xmlns:a16="http://schemas.microsoft.com/office/drawing/2014/main" id="{5958E5E2-6682-4BC1-BE42-9B3D8EFAAB0B}"/>
               </a:ext>
             </a:extLst>
           </p:cNvPr>
@@ -960,7 +960,7 @@
           <p:cNvPr id="8" name="Picture 7">
             <a:extLst>
               <a:ext uri="{FF2B5EF4-FFF2-40B4-BE49-F238E27FC236}">
-                <a16:creationId xmlns:a16="http://schemas.microsoft.com/office/drawing/2014/main" xmlns="" id="{5D981076-ED8C-43FB-A166-D94C61E80896}"/>
+                <a16:creationId xmlns="" xmlns:a16="http://schemas.microsoft.com/office/drawing/2014/main" id="{5D981076-ED8C-43FB-A166-D94C61E80896}"/>
               </a:ext>
             </a:extLst>
           </p:cNvPr>
@@ -996,7 +996,7 @@
           <p:cNvPr id="6" name="Title 1">
             <a:extLst>
               <a:ext uri="{FF2B5EF4-FFF2-40B4-BE49-F238E27FC236}">
-                <a16:creationId xmlns="" xmlns:a16="http://schemas.microsoft.com/office/drawing/2014/main" id="{5958E5E2-6682-4BC1-BE42-9B3D8EFAAB0B}"/>
+                <a16:creationId xmlns:a16="http://schemas.microsoft.com/office/drawing/2014/main" xmlns="" id="{5958E5E2-6682-4BC1-BE42-9B3D8EFAAB0B}"/>
               </a:ext>
             </a:extLst>
           </p:cNvPr>
@@ -1261,7 +1261,7 @@
             <a:fld id="{59B70936-47C3-4CF7-B9C0-FD402A4BB69C}" type="datetime2">
               <a:rPr lang="en-US" smtClean="0"/>
               <a:pPr/>
-              <a:t>Monday, October 24, 2022</a:t>
+              <a:t>Tuesday, October 25, 2022</a:t>
             </a:fld>
             <a:endParaRPr lang="en-US" dirty="0"/>
           </a:p>
@@ -1437,7 +1437,7 @@
             <a:fld id="{DCFF1E70-353B-47BB-98CB-B4225A8997C7}" type="datetime2">
               <a:rPr lang="en-US" smtClean="0"/>
               <a:pPr/>
-              <a:t>Monday, October 24, 2022</a:t>
+              <a:t>Tuesday, October 25, 2022</a:t>
             </a:fld>
             <a:endParaRPr lang="en-US" dirty="0"/>
           </a:p>
@@ -1623,7 +1623,7 @@
             <a:fld id="{3C7B8B70-55DD-4840-BA6C-DE440F8F9BE4}" type="datetime2">
               <a:rPr lang="en-US" smtClean="0"/>
               <a:pPr/>
-              <a:t>Monday, October 24, 2022</a:t>
+              <a:t>Tuesday, October 25, 2022</a:t>
             </a:fld>
             <a:endParaRPr lang="en-US" dirty="0"/>
           </a:p>
@@ -1756,7 +1756,7 @@
           <p:cNvPr id="7" name="Picture 6">
             <a:extLst>
               <a:ext uri="{FF2B5EF4-FFF2-40B4-BE49-F238E27FC236}">
-                <a16:creationId xmlns="" xmlns:a16="http://schemas.microsoft.com/office/drawing/2014/main" id="{DCD7B29F-4C46-4AE5-A85E-952C6A33758B}"/>
+                <a16:creationId xmlns:a16="http://schemas.microsoft.com/office/drawing/2014/main" xmlns="" id="{DCD7B29F-4C46-4AE5-A85E-952C6A33758B}"/>
               </a:ext>
             </a:extLst>
           </p:cNvPr>
@@ -1792,7 +1792,7 @@
           <p:cNvPr id="8" name="Rectangle 7">
             <a:extLst>
               <a:ext uri="{FF2B5EF4-FFF2-40B4-BE49-F238E27FC236}">
-                <a16:creationId xmlns="" xmlns:a16="http://schemas.microsoft.com/office/drawing/2014/main" id="{1F423809-851F-402C-8E33-04AEE45A2C34}"/>
+                <a16:creationId xmlns:a16="http://schemas.microsoft.com/office/drawing/2014/main" xmlns="" id="{1F423809-851F-402C-8E33-04AEE45A2C34}"/>
               </a:ext>
             </a:extLst>
           </p:cNvPr>
@@ -1852,7 +1852,7 @@
           <p:cNvPr id="10" name="Date Placeholder 2">
             <a:extLst>
               <a:ext uri="{FF2B5EF4-FFF2-40B4-BE49-F238E27FC236}">
-                <a16:creationId xmlns="" xmlns:a16="http://schemas.microsoft.com/office/drawing/2014/main" id="{C8CBE8F9-096B-48BD-AF91-C68E84B4AE0C}"/>
+                <a16:creationId xmlns:a16="http://schemas.microsoft.com/office/drawing/2014/main" xmlns="" id="{C8CBE8F9-096B-48BD-AF91-C68E84B4AE0C}"/>
               </a:ext>
             </a:extLst>
           </p:cNvPr>
@@ -1889,7 +1889,7 @@
             <a:fld id="{375AE513-6999-4E2D-AE1C-3C9602EA88F7}" type="datetime2">
               <a:rPr lang="en-US" smtClean="0"/>
               <a:pPr/>
-              <a:t>Monday, October 24, 2022</a:t>
+              <a:t>Tuesday, October 25, 2022</a:t>
             </a:fld>
             <a:endParaRPr lang="en-US" dirty="0"/>
           </a:p>
@@ -1900,7 +1900,7 @@
           <p:cNvPr id="11" name="Footer Placeholder 3">
             <a:extLst>
               <a:ext uri="{FF2B5EF4-FFF2-40B4-BE49-F238E27FC236}">
-                <a16:creationId xmlns="" xmlns:a16="http://schemas.microsoft.com/office/drawing/2014/main" id="{9B80BD04-4FB9-48ED-8F04-82E1E9B47D6D}"/>
+                <a16:creationId xmlns:a16="http://schemas.microsoft.com/office/drawing/2014/main" xmlns="" id="{9B80BD04-4FB9-48ED-8F04-82E1E9B47D6D}"/>
               </a:ext>
             </a:extLst>
           </p:cNvPr>
@@ -1947,7 +1947,7 @@
           <p:cNvPr id="13" name="Footer Placeholder 3">
             <a:extLst>
               <a:ext uri="{FF2B5EF4-FFF2-40B4-BE49-F238E27FC236}">
-                <a16:creationId xmlns="" xmlns:a16="http://schemas.microsoft.com/office/drawing/2014/main" id="{308BF50B-84FA-461A-853E-B94880E9E727}"/>
+                <a16:creationId xmlns:a16="http://schemas.microsoft.com/office/drawing/2014/main" xmlns="" id="{308BF50B-84FA-461A-853E-B94880E9E727}"/>
               </a:ext>
             </a:extLst>
           </p:cNvPr>
@@ -2109,7 +2109,7 @@
           <p:cNvPr id="2" name="Title 1">
             <a:extLst>
               <a:ext uri="{FF2B5EF4-FFF2-40B4-BE49-F238E27FC236}">
-                <a16:creationId xmlns="" xmlns:a16="http://schemas.microsoft.com/office/drawing/2014/main" id="{57D6C631-9239-4D11-BA61-09F7181CE1FB}"/>
+                <a16:creationId xmlns:a16="http://schemas.microsoft.com/office/drawing/2014/main" xmlns="" id="{57D6C631-9239-4D11-BA61-09F7181CE1FB}"/>
               </a:ext>
             </a:extLst>
           </p:cNvPr>
@@ -2138,7 +2138,7 @@
           <p:cNvPr id="3" name="Date Placeholder 2">
             <a:extLst>
               <a:ext uri="{FF2B5EF4-FFF2-40B4-BE49-F238E27FC236}">
-                <a16:creationId xmlns="" xmlns:a16="http://schemas.microsoft.com/office/drawing/2014/main" id="{B03F9D61-4741-4EB6-928C-183F6ED0860B}"/>
+                <a16:creationId xmlns:a16="http://schemas.microsoft.com/office/drawing/2014/main" xmlns="" id="{B03F9D61-4741-4EB6-928C-183F6ED0860B}"/>
               </a:ext>
             </a:extLst>
           </p:cNvPr>
@@ -2157,7 +2157,7 @@
             <a:fld id="{EAAB011A-6A8E-4B2E-A85D-697EA03D6525}" type="datetime2">
               <a:rPr lang="en-US" smtClean="0"/>
               <a:pPr/>
-              <a:t>Monday, October 24, 2022</a:t>
+              <a:t>Tuesday, October 25, 2022</a:t>
             </a:fld>
             <a:endParaRPr lang="en-US" dirty="0"/>
           </a:p>
@@ -2168,7 +2168,7 @@
           <p:cNvPr id="4" name="Footer Placeholder 3">
             <a:extLst>
               <a:ext uri="{FF2B5EF4-FFF2-40B4-BE49-F238E27FC236}">
-                <a16:creationId xmlns="" xmlns:a16="http://schemas.microsoft.com/office/drawing/2014/main" id="{7A5A7B3A-4429-42CF-B646-3FD3F3460B9A}"/>
+                <a16:creationId xmlns:a16="http://schemas.microsoft.com/office/drawing/2014/main" xmlns="" id="{7A5A7B3A-4429-42CF-B646-3FD3F3460B9A}"/>
               </a:ext>
             </a:extLst>
           </p:cNvPr>
@@ -2197,7 +2197,7 @@
           <p:cNvPr id="5" name="Slide Number Placeholder 4">
             <a:extLst>
               <a:ext uri="{FF2B5EF4-FFF2-40B4-BE49-F238E27FC236}">
-                <a16:creationId xmlns="" xmlns:a16="http://schemas.microsoft.com/office/drawing/2014/main" id="{83245426-362C-48C8-9EA2-C525ADFA6237}"/>
+                <a16:creationId xmlns:a16="http://schemas.microsoft.com/office/drawing/2014/main" xmlns="" id="{83245426-362C-48C8-9EA2-C525ADFA6237}"/>
               </a:ext>
             </a:extLst>
           </p:cNvPr>
@@ -2302,7 +2302,7 @@
           <p:cNvPr id="7" name="Picture 6">
             <a:extLst>
               <a:ext uri="{FF2B5EF4-FFF2-40B4-BE49-F238E27FC236}">
-                <a16:creationId xmlns:a16="http://schemas.microsoft.com/office/drawing/2014/main" xmlns="" id="{DCD7B29F-4C46-4AE5-A85E-952C6A33758B}"/>
+                <a16:creationId xmlns="" xmlns:a16="http://schemas.microsoft.com/office/drawing/2014/main" id="{DCD7B29F-4C46-4AE5-A85E-952C6A33758B}"/>
               </a:ext>
             </a:extLst>
           </p:cNvPr>
@@ -2338,7 +2338,7 @@
           <p:cNvPr id="8" name="Rectangle 7">
             <a:extLst>
               <a:ext uri="{FF2B5EF4-FFF2-40B4-BE49-F238E27FC236}">
-                <a16:creationId xmlns:a16="http://schemas.microsoft.com/office/drawing/2014/main" xmlns="" id="{1F423809-851F-402C-8E33-04AEE45A2C34}"/>
+                <a16:creationId xmlns="" xmlns:a16="http://schemas.microsoft.com/office/drawing/2014/main" id="{1F423809-851F-402C-8E33-04AEE45A2C34}"/>
               </a:ext>
             </a:extLst>
           </p:cNvPr>
@@ -2398,7 +2398,7 @@
           <p:cNvPr id="10" name="Date Placeholder 2">
             <a:extLst>
               <a:ext uri="{FF2B5EF4-FFF2-40B4-BE49-F238E27FC236}">
-                <a16:creationId xmlns:a16="http://schemas.microsoft.com/office/drawing/2014/main" xmlns="" id="{C8CBE8F9-096B-48BD-AF91-C68E84B4AE0C}"/>
+                <a16:creationId xmlns="" xmlns:a16="http://schemas.microsoft.com/office/drawing/2014/main" id="{C8CBE8F9-096B-48BD-AF91-C68E84B4AE0C}"/>
               </a:ext>
             </a:extLst>
           </p:cNvPr>
@@ -2435,7 +2435,7 @@
             <a:fld id="{015D1000-8D72-44BD-BC55-A88A87D66ED0}" type="datetime2">
               <a:rPr lang="en-US" smtClean="0"/>
               <a:pPr/>
-              <a:t>Monday, October 24, 2022</a:t>
+              <a:t>Tuesday, October 25, 2022</a:t>
             </a:fld>
             <a:endParaRPr lang="en-US" dirty="0"/>
           </a:p>
@@ -2446,7 +2446,7 @@
           <p:cNvPr id="11" name="Footer Placeholder 3">
             <a:extLst>
               <a:ext uri="{FF2B5EF4-FFF2-40B4-BE49-F238E27FC236}">
-                <a16:creationId xmlns:a16="http://schemas.microsoft.com/office/drawing/2014/main" xmlns="" id="{9B80BD04-4FB9-48ED-8F04-82E1E9B47D6D}"/>
+                <a16:creationId xmlns="" xmlns:a16="http://schemas.microsoft.com/office/drawing/2014/main" id="{9B80BD04-4FB9-48ED-8F04-82E1E9B47D6D}"/>
               </a:ext>
             </a:extLst>
           </p:cNvPr>
@@ -2493,7 +2493,7 @@
           <p:cNvPr id="13" name="Footer Placeholder 3">
             <a:extLst>
               <a:ext uri="{FF2B5EF4-FFF2-40B4-BE49-F238E27FC236}">
-                <a16:creationId xmlns:a16="http://schemas.microsoft.com/office/drawing/2014/main" xmlns="" id="{308BF50B-84FA-461A-853E-B94880E9E727}"/>
+                <a16:creationId xmlns="" xmlns:a16="http://schemas.microsoft.com/office/drawing/2014/main" id="{308BF50B-84FA-461A-853E-B94880E9E727}"/>
               </a:ext>
             </a:extLst>
           </p:cNvPr>
@@ -2625,7 +2625,7 @@
           <p:cNvPr id="9" name="Picture 8">
             <a:extLst>
               <a:ext uri="{FF2B5EF4-FFF2-40B4-BE49-F238E27FC236}">
-                <a16:creationId xmlns="" xmlns:a16="http://schemas.microsoft.com/office/drawing/2014/main" id="{DCD7B29F-4C46-4AE5-A85E-952C6A33758B}"/>
+                <a16:creationId xmlns:a16="http://schemas.microsoft.com/office/drawing/2014/main" xmlns="" id="{DCD7B29F-4C46-4AE5-A85E-952C6A33758B}"/>
               </a:ext>
             </a:extLst>
           </p:cNvPr>
@@ -2661,7 +2661,7 @@
           <p:cNvPr id="12" name="Rectangle 11">
             <a:extLst>
               <a:ext uri="{FF2B5EF4-FFF2-40B4-BE49-F238E27FC236}">
-                <a16:creationId xmlns="" xmlns:a16="http://schemas.microsoft.com/office/drawing/2014/main" id="{1F423809-851F-402C-8E33-04AEE45A2C34}"/>
+                <a16:creationId xmlns:a16="http://schemas.microsoft.com/office/drawing/2014/main" xmlns="" id="{1F423809-851F-402C-8E33-04AEE45A2C34}"/>
               </a:ext>
             </a:extLst>
           </p:cNvPr>
@@ -2721,7 +2721,7 @@
           <p:cNvPr id="14" name="Footer Placeholder 3">
             <a:extLst>
               <a:ext uri="{FF2B5EF4-FFF2-40B4-BE49-F238E27FC236}">
-                <a16:creationId xmlns="" xmlns:a16="http://schemas.microsoft.com/office/drawing/2014/main" id="{308BF50B-84FA-461A-853E-B94880E9E727}"/>
+                <a16:creationId xmlns:a16="http://schemas.microsoft.com/office/drawing/2014/main" xmlns="" id="{308BF50B-84FA-461A-853E-B94880E9E727}"/>
               </a:ext>
             </a:extLst>
           </p:cNvPr>
@@ -2883,7 +2883,7 @@
           <p:cNvPr id="2" name="Title 1">
             <a:extLst>
               <a:ext uri="{FF2B5EF4-FFF2-40B4-BE49-F238E27FC236}">
-                <a16:creationId xmlns:a16="http://schemas.microsoft.com/office/drawing/2014/main" xmlns="" id="{57D6C631-9239-4D11-BA61-09F7181CE1FB}"/>
+                <a16:creationId xmlns="" xmlns:a16="http://schemas.microsoft.com/office/drawing/2014/main" id="{57D6C631-9239-4D11-BA61-09F7181CE1FB}"/>
               </a:ext>
             </a:extLst>
           </p:cNvPr>
@@ -2912,7 +2912,7 @@
           <p:cNvPr id="3" name="Date Placeholder 2">
             <a:extLst>
               <a:ext uri="{FF2B5EF4-FFF2-40B4-BE49-F238E27FC236}">
-                <a16:creationId xmlns:a16="http://schemas.microsoft.com/office/drawing/2014/main" xmlns="" id="{B03F9D61-4741-4EB6-928C-183F6ED0860B}"/>
+                <a16:creationId xmlns="" xmlns:a16="http://schemas.microsoft.com/office/drawing/2014/main" id="{B03F9D61-4741-4EB6-928C-183F6ED0860B}"/>
               </a:ext>
             </a:extLst>
           </p:cNvPr>
@@ -2931,7 +2931,7 @@
             <a:fld id="{7B717641-5230-43F1-9C17-305DF5FFA341}" type="datetime2">
               <a:rPr lang="en-US" smtClean="0"/>
               <a:pPr/>
-              <a:t>Monday, October 24, 2022</a:t>
+              <a:t>Tuesday, October 25, 2022</a:t>
             </a:fld>
             <a:endParaRPr lang="en-US" dirty="0"/>
           </a:p>
@@ -2942,7 +2942,7 @@
           <p:cNvPr id="4" name="Footer Placeholder 3">
             <a:extLst>
               <a:ext uri="{FF2B5EF4-FFF2-40B4-BE49-F238E27FC236}">
-                <a16:creationId xmlns:a16="http://schemas.microsoft.com/office/drawing/2014/main" xmlns="" id="{7A5A7B3A-4429-42CF-B646-3FD3F3460B9A}"/>
+                <a16:creationId xmlns="" xmlns:a16="http://schemas.microsoft.com/office/drawing/2014/main" id="{7A5A7B3A-4429-42CF-B646-3FD3F3460B9A}"/>
               </a:ext>
             </a:extLst>
           </p:cNvPr>
@@ -2971,7 +2971,7 @@
           <p:cNvPr id="5" name="Slide Number Placeholder 4">
             <a:extLst>
               <a:ext uri="{FF2B5EF4-FFF2-40B4-BE49-F238E27FC236}">
-                <a16:creationId xmlns:a16="http://schemas.microsoft.com/office/drawing/2014/main" xmlns="" id="{83245426-362C-48C8-9EA2-C525ADFA6237}"/>
+                <a16:creationId xmlns="" xmlns:a16="http://schemas.microsoft.com/office/drawing/2014/main" id="{83245426-362C-48C8-9EA2-C525ADFA6237}"/>
               </a:ext>
             </a:extLst>
           </p:cNvPr>
@@ -3195,7 +3195,7 @@
             <a:fld id="{62BB5CA3-B4D5-4442-89E6-1EBB382B97F1}" type="datetime2">
               <a:rPr lang="en-US" smtClean="0"/>
               <a:pPr/>
-              <a:t>Monday, October 24, 2022</a:t>
+              <a:t>Tuesday, October 25, 2022</a:t>
             </a:fld>
             <a:endParaRPr lang="en-US" dirty="0"/>
           </a:p>
@@ -3433,7 +3433,7 @@
             <a:fld id="{3EA37B29-83E1-4ED2-BEBE-C5F80267D662}" type="datetime2">
               <a:rPr lang="en-US" smtClean="0"/>
               <a:pPr/>
-              <a:t>Monday, October 24, 2022</a:t>
+              <a:t>Tuesday, October 25, 2022</a:t>
             </a:fld>
             <a:endParaRPr lang="en-US" dirty="0"/>
           </a:p>
@@ -3806,7 +3806,7 @@
             <a:fld id="{DB39ED1D-764F-477C-9D6F-BEA53FA6ADBD}" type="datetime2">
               <a:rPr lang="en-US" smtClean="0"/>
               <a:pPr/>
-              <a:t>Monday, October 24, 2022</a:t>
+              <a:t>Tuesday, October 25, 2022</a:t>
             </a:fld>
             <a:endParaRPr lang="en-US" dirty="0"/>
           </a:p>
@@ -3930,7 +3930,7 @@
             <a:fld id="{79E61622-7361-4187-AD58-DCC30A9881E0}" type="datetime2">
               <a:rPr lang="en-US" smtClean="0"/>
               <a:pPr/>
-              <a:t>Monday, October 24, 2022</a:t>
+              <a:t>Tuesday, October 25, 2022</a:t>
             </a:fld>
             <a:endParaRPr lang="en-US" dirty="0"/>
           </a:p>
@@ -4031,7 +4031,7 @@
             <a:fld id="{EE1CD5EA-FB33-49F7-9E1A-E120B8D8DDB7}" type="datetime2">
               <a:rPr lang="en-US" smtClean="0"/>
               <a:pPr/>
-              <a:t>Monday, October 24, 2022</a:t>
+              <a:t>Tuesday, October 25, 2022</a:t>
             </a:fld>
             <a:endParaRPr lang="en-US" dirty="0"/>
           </a:p>
@@ -4314,7 +4314,7 @@
             <a:fld id="{29B21109-785E-42D6-A31E-9313E0C01A83}" type="datetime2">
               <a:rPr lang="en-US" smtClean="0"/>
               <a:pPr/>
-              <a:t>Monday, October 24, 2022</a:t>
+              <a:t>Tuesday, October 25, 2022</a:t>
             </a:fld>
             <a:endParaRPr lang="en-US" dirty="0"/>
           </a:p>
@@ -4533,7 +4533,7 @@
             <a:fld id="{CDF4313E-1F26-4161-83EA-AC329BC05286}" type="datetime2">
               <a:rPr lang="en-US" smtClean="0"/>
               <a:pPr/>
-              <a:t>Monday, October 24, 2022</a:t>
+              <a:t>Tuesday, October 25, 2022</a:t>
             </a:fld>
             <a:endParaRPr lang="en-US" dirty="0"/>
           </a:p>
@@ -5469,12 +5469,12 @@
               </a:spcBef>
             </a:pPr>
             <a:r>
-              <a:rPr lang="en-US" sz="3400" smtClean="0">
+              <a:rPr lang="en-US" sz="3400" b="1" dirty="0" smtClean="0">
                 <a:latin typeface="Times New Roman" pitchFamily="18" charset="0"/>
               </a:rPr>
               <a:t>Contribution to the project in Elastic search</a:t>
             </a:r>
-            <a:endParaRPr lang="en-US" sz="3400" dirty="0">
+            <a:endParaRPr lang="en-US" sz="3400" b="1" dirty="0">
               <a:latin typeface="Times New Roman" pitchFamily="18" charset="0"/>
             </a:endParaRPr>
           </a:p>
@@ -9355,7 +9355,9 @@
               <a:avLst/>
             </a:prstGeom>
             <a:solidFill>
-              <a:schemeClr val="lt2"/>
+              <a:schemeClr val="bg2">
+                <a:lumMod val="75000"/>
+              </a:schemeClr>
             </a:solidFill>
             <a:ln>
               <a:noFill/>
@@ -11384,7 +11386,9 @@
               <a:avLst/>
             </a:prstGeom>
             <a:solidFill>
-              <a:schemeClr val="lt2"/>
+              <a:schemeClr val="bg2">
+                <a:lumMod val="75000"/>
+              </a:schemeClr>
             </a:solidFill>
             <a:ln>
               <a:noFill/>
@@ -11483,7 +11487,9 @@
               <a:avLst/>
             </a:prstGeom>
             <a:solidFill>
-              <a:schemeClr val="lt2"/>
+              <a:schemeClr val="bg2">
+                <a:lumMod val="75000"/>
+              </a:schemeClr>
             </a:solidFill>
             <a:ln>
               <a:noFill/>
@@ -11582,7 +11588,9 @@
               <a:avLst/>
             </a:prstGeom>
             <a:solidFill>
-              <a:schemeClr val="lt2"/>
+              <a:schemeClr val="bg2">
+                <a:lumMod val="75000"/>
+              </a:schemeClr>
             </a:solidFill>
             <a:ln>
               <a:noFill/>
@@ -12257,12 +12265,6 @@
               </a:rPr>
               <a:t>Internship Introduction</a:t>
             </a:r>
-            <a:endParaRPr lang="en-IN" sz="2200" dirty="0" smtClean="0">
-              <a:solidFill>
-                <a:schemeClr val="tx1"/>
-              </a:solidFill>
-              <a:latin typeface="Times New Roman" pitchFamily="18" charset="0"/>
-            </a:endParaRPr>
           </a:p>
           <a:p>
             <a:pPr marL="285750" indent="-285750">
@@ -12320,12 +12322,6 @@
               </a:rPr>
               <a:t>Requirement</a:t>
             </a:r>
-            <a:endParaRPr lang="en-IN" sz="2200" dirty="0" smtClean="0">
-              <a:solidFill>
-                <a:schemeClr val="tx1"/>
-              </a:solidFill>
-              <a:latin typeface="Times New Roman" pitchFamily="18" charset="0"/>
-            </a:endParaRPr>
           </a:p>
           <a:p>
             <a:pPr marL="285750" indent="-285750">
@@ -19199,16 +19195,7 @@
                 </a:solidFill>
                 <a:latin typeface="Times New Roman" pitchFamily="18" charset="0"/>
               </a:rPr>
-              <a:t>An Excel sheet data will be given and the fields </a:t>
-            </a:r>
-            <a:r>
-              <a:rPr lang="en-IN" sz="2200" dirty="0" smtClean="0">
-                <a:solidFill>
-                  <a:schemeClr val="tx1"/>
-                </a:solidFill>
-                <a:latin typeface="Times New Roman" pitchFamily="18" charset="0"/>
-              </a:rPr>
-              <a:t>are</a:t>
+              <a:t>An Excel sheet data will be given and the fields are</a:t>
             </a:r>
           </a:p>
           <a:p>
@@ -19298,12 +19285,6 @@
               </a:rPr>
               <a:t>ids_without_errors</a:t>
             </a:r>
-            <a:endParaRPr lang="en-IN" sz="2200" dirty="0" smtClean="0">
-              <a:solidFill>
-                <a:schemeClr val="tx1"/>
-              </a:solidFill>
-              <a:latin typeface="Times New Roman" pitchFamily="18" charset="0"/>
-            </a:endParaRPr>
           </a:p>
           <a:p>
             <a:pPr marL="285750" lvl="4" indent="-285750">
@@ -22070,16 +22051,7 @@
                 </a:solidFill>
                 <a:latin typeface="Times New Roman" pitchFamily="18" charset="0"/>
               </a:rPr>
-              <a:t>The data I will be having with </a:t>
-            </a:r>
-            <a:r>
-              <a:rPr lang="en-IN" sz="2200" dirty="0" smtClean="0">
-                <a:solidFill>
-                  <a:schemeClr val="tx1"/>
-                </a:solidFill>
-                <a:latin typeface="Times New Roman" pitchFamily="18" charset="0"/>
-              </a:rPr>
-              <a:t>columns</a:t>
+              <a:t>The data I will be having with columns</a:t>
             </a:r>
           </a:p>
           <a:p>
@@ -22562,23 +22534,8 @@
                 </a:solidFill>
                 <a:latin typeface="Times New Roman" pitchFamily="18" charset="0"/>
               </a:rPr>
-              <a:t>Similarly all the data will be inserted in the </a:t>
+              <a:t>Similarly all the data will be inserted in the index</a:t>
             </a:r>
-            <a:r>
-              <a:rPr lang="en-IN" sz="2200" dirty="0" smtClean="0">
-                <a:solidFill>
-                  <a:schemeClr val="tx1"/>
-                </a:solidFill>
-                <a:latin typeface="Times New Roman" pitchFamily="18" charset="0"/>
-              </a:rPr>
-              <a:t>index</a:t>
-            </a:r>
-            <a:endParaRPr lang="en-IN" sz="2200" dirty="0" smtClean="0">
-              <a:solidFill>
-                <a:schemeClr val="tx1"/>
-              </a:solidFill>
-              <a:latin typeface="Times New Roman" pitchFamily="18" charset="0"/>
-            </a:endParaRPr>
           </a:p>
         </p:txBody>
       </p:sp>
@@ -22659,10 +22616,14 @@
           </a:lstStyle>
           <a:p>
             <a:r>
-              <a:rPr lang="en-IN" b="1" dirty="0" smtClean="0"/>
+              <a:rPr lang="en-IN" b="1" dirty="0" smtClean="0">
+                <a:latin typeface="Times New Roman" pitchFamily="18" charset="0"/>
+              </a:rPr>
               <a:t>Querying</a:t>
             </a:r>
-            <a:endParaRPr lang="en-IN" b="1" dirty="0"/>
+            <a:endParaRPr lang="en-IN" b="1" dirty="0">
+              <a:latin typeface="Times New Roman" pitchFamily="18" charset="0"/>
+            </a:endParaRPr>
           </a:p>
         </p:txBody>
       </p:sp>
@@ -23110,7 +23071,9 @@
               </a:spcAft>
               <a:buNone/>
             </a:pPr>
-            <a:endParaRPr/>
+            <a:endParaRPr>
+              <a:latin typeface="Times New Roman" pitchFamily="18" charset="0"/>
+            </a:endParaRPr>
           </a:p>
         </p:txBody>
       </p:sp>
@@ -23389,7 +23352,7 @@
   <a:extraClrSchemeLst/>
   <a:extLst>
     <a:ext uri="{05A4C25C-085E-4340-85A3-A5531E510DB2}">
-      <thm15:themeFamily xmlns="" xmlns:thm15="http://schemas.microsoft.com/office/thememl/2012/main" name="Office Theme" id="{62F939B6-93AF-4DB8-9C6B-D6C7DFDC589F}" vid="{4A3C46E8-61CC-4603-A589-7422A47A8E4A}"/>
+      <thm15:themeFamily xmlns:thm15="http://schemas.microsoft.com/office/thememl/2012/main" xmlns="" name="Office Theme" id="{62F939B6-93AF-4DB8-9C6B-D6C7DFDC589F}" vid="{4A3C46E8-61CC-4603-A589-7422A47A8E4A}"/>
     </a:ext>
   </a:extLst>
 </a:theme>

--- a/college_internship_presentation.pptx
+++ b/college_internship_presentation.pptx
@@ -5,27 +5,28 @@
     <p:sldMasterId id="2147483685" r:id="rId1"/>
   </p:sldMasterIdLst>
   <p:notesMasterIdLst>
-    <p:notesMasterId r:id="rId17"/>
+    <p:notesMasterId r:id="rId18"/>
   </p:notesMasterIdLst>
   <p:handoutMasterIdLst>
-    <p:handoutMasterId r:id="rId18"/>
+    <p:handoutMasterId r:id="rId19"/>
   </p:handoutMasterIdLst>
   <p:sldIdLst>
     <p:sldId id="403" r:id="rId2"/>
-    <p:sldId id="404" r:id="rId3"/>
-    <p:sldId id="405" r:id="rId4"/>
-    <p:sldId id="406" r:id="rId5"/>
-    <p:sldId id="407" r:id="rId6"/>
-    <p:sldId id="408" r:id="rId7"/>
-    <p:sldId id="409" r:id="rId8"/>
-    <p:sldId id="410" r:id="rId9"/>
-    <p:sldId id="411" r:id="rId10"/>
-    <p:sldId id="412" r:id="rId11"/>
-    <p:sldId id="413" r:id="rId12"/>
-    <p:sldId id="414" r:id="rId13"/>
-    <p:sldId id="415" r:id="rId14"/>
-    <p:sldId id="416" r:id="rId15"/>
-    <p:sldId id="417" r:id="rId16"/>
+    <p:sldId id="418" r:id="rId3"/>
+    <p:sldId id="404" r:id="rId4"/>
+    <p:sldId id="405" r:id="rId5"/>
+    <p:sldId id="406" r:id="rId6"/>
+    <p:sldId id="407" r:id="rId7"/>
+    <p:sldId id="408" r:id="rId8"/>
+    <p:sldId id="409" r:id="rId9"/>
+    <p:sldId id="410" r:id="rId10"/>
+    <p:sldId id="411" r:id="rId11"/>
+    <p:sldId id="412" r:id="rId12"/>
+    <p:sldId id="413" r:id="rId13"/>
+    <p:sldId id="414" r:id="rId14"/>
+    <p:sldId id="415" r:id="rId15"/>
+    <p:sldId id="416" r:id="rId16"/>
+    <p:sldId id="417" r:id="rId17"/>
   </p:sldIdLst>
   <p:sldSz cx="12192000" cy="6858000"/>
   <p:notesSz cx="6858000" cy="9144000"/>
@@ -5278,6 +5279,544 @@
 </file>
 
 <file path=ppt/slides/slide10.xml><?xml version="1.0" encoding="utf-8"?>
+<p:sld xmlns:a="http://schemas.openxmlformats.org/drawingml/2006/main" xmlns:r="http://schemas.openxmlformats.org/officeDocument/2006/relationships" xmlns:p="http://schemas.openxmlformats.org/presentationml/2006/main">
+  <p:cSld>
+    <p:spTree>
+      <p:nvGrpSpPr>
+        <p:cNvPr id="1" name=""/>
+        <p:cNvGrpSpPr/>
+        <p:nvPr/>
+      </p:nvGrpSpPr>
+      <p:grpSpPr>
+        <a:xfrm>
+          <a:off x="0" y="0"/>
+          <a:ext cx="0" cy="0"/>
+          <a:chOff x="0" y="0"/>
+          <a:chExt cx="0" cy="0"/>
+        </a:xfrm>
+      </p:grpSpPr>
+      <p:sp>
+        <p:nvSpPr>
+          <p:cNvPr id="4" name="Title 10"/>
+          <p:cNvSpPr txBox="1">
+            <a:spLocks/>
+          </p:cNvSpPr>
+          <p:nvPr/>
+        </p:nvSpPr>
+        <p:spPr>
+          <a:xfrm>
+            <a:off x="1784884" y="914400"/>
+            <a:ext cx="4158715" cy="539400"/>
+          </a:xfrm>
+          <a:prstGeom prst="rect">
+            <a:avLst/>
+          </a:prstGeom>
+        </p:spPr>
+        <p:txBody>
+          <a:bodyPr/>
+          <a:lstStyle>
+            <a:lvl1pPr algn="l" defTabSz="914400" rtl="0" eaLnBrk="1" latinLnBrk="0" hangingPunct="1">
+              <a:lnSpc>
+                <a:spcPct val="90000"/>
+              </a:lnSpc>
+              <a:spcBef>
+                <a:spcPct val="0"/>
+              </a:spcBef>
+              <a:buNone/>
+              <a:defRPr sz="4400" kern="1200">
+                <a:solidFill>
+                  <a:schemeClr val="tx1"/>
+                </a:solidFill>
+                <a:latin typeface="+mj-lt"/>
+                <a:ea typeface="+mj-ea"/>
+                <a:cs typeface="+mj-cs"/>
+              </a:defRPr>
+            </a:lvl1pPr>
+          </a:lstStyle>
+          <a:p>
+            <a:r>
+              <a:rPr lang="en-IN" b="1" dirty="0" smtClean="0">
+                <a:latin typeface="Times New Roman" pitchFamily="18" charset="0"/>
+              </a:rPr>
+              <a:t>Querying</a:t>
+            </a:r>
+            <a:endParaRPr lang="en-IN" b="1" dirty="0">
+              <a:latin typeface="Times New Roman" pitchFamily="18" charset="0"/>
+            </a:endParaRPr>
+          </a:p>
+        </p:txBody>
+      </p:sp>
+      <p:sp>
+        <p:nvSpPr>
+          <p:cNvPr id="5" name="Google Shape;630;p60"/>
+          <p:cNvSpPr txBox="1">
+            <a:spLocks/>
+          </p:cNvSpPr>
+          <p:nvPr/>
+        </p:nvSpPr>
+        <p:spPr>
+          <a:xfrm>
+            <a:off x="1746784" y="1822966"/>
+            <a:ext cx="4196815" cy="4605536"/>
+          </a:xfrm>
+          <a:prstGeom prst="rect">
+            <a:avLst/>
+          </a:prstGeom>
+        </p:spPr>
+        <p:txBody>
+          <a:bodyPr spcFirstLastPara="1" wrap="square" lIns="91425" tIns="91425" rIns="91425" bIns="91425" anchor="t" anchorCtr="0">
+            <a:noAutofit/>
+          </a:bodyPr>
+          <a:lstStyle>
+            <a:defPPr marR="0" lvl="0" algn="l" rtl="0">
+              <a:lnSpc>
+                <a:spcPct val="100000"/>
+              </a:lnSpc>
+              <a:spcBef>
+                <a:spcPts val="0"/>
+              </a:spcBef>
+              <a:spcAft>
+                <a:spcPts val="0"/>
+              </a:spcAft>
+            </a:defPPr>
+            <a:lvl1pPr marR="0" lvl="0" algn="l" rtl="0">
+              <a:lnSpc>
+                <a:spcPct val="100000"/>
+              </a:lnSpc>
+              <a:spcBef>
+                <a:spcPts val="0"/>
+              </a:spcBef>
+              <a:spcAft>
+                <a:spcPts val="0"/>
+              </a:spcAft>
+              <a:buClr>
+                <a:srgbClr val="000000"/>
+              </a:buClr>
+              <a:buFont typeface="Arial"/>
+              <a:defRPr sz="1400" b="0" i="0" u="none" strike="noStrike" cap="none">
+                <a:solidFill>
+                  <a:srgbClr val="000000"/>
+                </a:solidFill>
+                <a:latin typeface="Arial"/>
+                <a:ea typeface="Arial"/>
+                <a:cs typeface="Arial"/>
+                <a:sym typeface="Arial"/>
+              </a:defRPr>
+            </a:lvl1pPr>
+            <a:lvl2pPr marR="0" lvl="1" algn="l" rtl="0">
+              <a:lnSpc>
+                <a:spcPct val="100000"/>
+              </a:lnSpc>
+              <a:spcBef>
+                <a:spcPts val="0"/>
+              </a:spcBef>
+              <a:spcAft>
+                <a:spcPts val="0"/>
+              </a:spcAft>
+              <a:buClr>
+                <a:srgbClr val="000000"/>
+              </a:buClr>
+              <a:buFont typeface="Arial"/>
+              <a:defRPr sz="1400" b="0" i="0" u="none" strike="noStrike" cap="none">
+                <a:solidFill>
+                  <a:srgbClr val="000000"/>
+                </a:solidFill>
+                <a:latin typeface="Arial"/>
+                <a:ea typeface="Arial"/>
+                <a:cs typeface="Arial"/>
+                <a:sym typeface="Arial"/>
+              </a:defRPr>
+            </a:lvl2pPr>
+            <a:lvl3pPr marR="0" lvl="2" algn="l" rtl="0">
+              <a:lnSpc>
+                <a:spcPct val="100000"/>
+              </a:lnSpc>
+              <a:spcBef>
+                <a:spcPts val="0"/>
+              </a:spcBef>
+              <a:spcAft>
+                <a:spcPts val="0"/>
+              </a:spcAft>
+              <a:buClr>
+                <a:srgbClr val="000000"/>
+              </a:buClr>
+              <a:buFont typeface="Arial"/>
+              <a:defRPr sz="1400" b="0" i="0" u="none" strike="noStrike" cap="none">
+                <a:solidFill>
+                  <a:srgbClr val="000000"/>
+                </a:solidFill>
+                <a:latin typeface="Arial"/>
+                <a:ea typeface="Arial"/>
+                <a:cs typeface="Arial"/>
+                <a:sym typeface="Arial"/>
+              </a:defRPr>
+            </a:lvl3pPr>
+            <a:lvl4pPr marR="0" lvl="3" algn="l" rtl="0">
+              <a:lnSpc>
+                <a:spcPct val="100000"/>
+              </a:lnSpc>
+              <a:spcBef>
+                <a:spcPts val="0"/>
+              </a:spcBef>
+              <a:spcAft>
+                <a:spcPts val="0"/>
+              </a:spcAft>
+              <a:buClr>
+                <a:srgbClr val="000000"/>
+              </a:buClr>
+              <a:buFont typeface="Arial"/>
+              <a:defRPr sz="1400" b="0" i="0" u="none" strike="noStrike" cap="none">
+                <a:solidFill>
+                  <a:srgbClr val="000000"/>
+                </a:solidFill>
+                <a:latin typeface="Arial"/>
+                <a:ea typeface="Arial"/>
+                <a:cs typeface="Arial"/>
+                <a:sym typeface="Arial"/>
+              </a:defRPr>
+            </a:lvl4pPr>
+            <a:lvl5pPr marR="0" lvl="4" algn="l" rtl="0">
+              <a:lnSpc>
+                <a:spcPct val="100000"/>
+              </a:lnSpc>
+              <a:spcBef>
+                <a:spcPts val="0"/>
+              </a:spcBef>
+              <a:spcAft>
+                <a:spcPts val="0"/>
+              </a:spcAft>
+              <a:buClr>
+                <a:srgbClr val="000000"/>
+              </a:buClr>
+              <a:buFont typeface="Arial"/>
+              <a:defRPr sz="1400" b="0" i="0" u="none" strike="noStrike" cap="none">
+                <a:solidFill>
+                  <a:srgbClr val="000000"/>
+                </a:solidFill>
+                <a:latin typeface="Arial"/>
+                <a:ea typeface="Arial"/>
+                <a:cs typeface="Arial"/>
+                <a:sym typeface="Arial"/>
+              </a:defRPr>
+            </a:lvl5pPr>
+            <a:lvl6pPr marR="0" lvl="5" algn="l" rtl="0">
+              <a:lnSpc>
+                <a:spcPct val="100000"/>
+              </a:lnSpc>
+              <a:spcBef>
+                <a:spcPts val="0"/>
+              </a:spcBef>
+              <a:spcAft>
+                <a:spcPts val="0"/>
+              </a:spcAft>
+              <a:buClr>
+                <a:srgbClr val="000000"/>
+              </a:buClr>
+              <a:buFont typeface="Arial"/>
+              <a:defRPr sz="1400" b="0" i="0" u="none" strike="noStrike" cap="none">
+                <a:solidFill>
+                  <a:srgbClr val="000000"/>
+                </a:solidFill>
+                <a:latin typeface="Arial"/>
+                <a:ea typeface="Arial"/>
+                <a:cs typeface="Arial"/>
+                <a:sym typeface="Arial"/>
+              </a:defRPr>
+            </a:lvl6pPr>
+            <a:lvl7pPr marR="0" lvl="6" algn="l" rtl="0">
+              <a:lnSpc>
+                <a:spcPct val="100000"/>
+              </a:lnSpc>
+              <a:spcBef>
+                <a:spcPts val="0"/>
+              </a:spcBef>
+              <a:spcAft>
+                <a:spcPts val="0"/>
+              </a:spcAft>
+              <a:buClr>
+                <a:srgbClr val="000000"/>
+              </a:buClr>
+              <a:buFont typeface="Arial"/>
+              <a:defRPr sz="1400" b="0" i="0" u="none" strike="noStrike" cap="none">
+                <a:solidFill>
+                  <a:srgbClr val="000000"/>
+                </a:solidFill>
+                <a:latin typeface="Arial"/>
+                <a:ea typeface="Arial"/>
+                <a:cs typeface="Arial"/>
+                <a:sym typeface="Arial"/>
+              </a:defRPr>
+            </a:lvl7pPr>
+            <a:lvl8pPr marR="0" lvl="7" algn="l" rtl="0">
+              <a:lnSpc>
+                <a:spcPct val="100000"/>
+              </a:lnSpc>
+              <a:spcBef>
+                <a:spcPts val="0"/>
+              </a:spcBef>
+              <a:spcAft>
+                <a:spcPts val="0"/>
+              </a:spcAft>
+              <a:buClr>
+                <a:srgbClr val="000000"/>
+              </a:buClr>
+              <a:buFont typeface="Arial"/>
+              <a:defRPr sz="1400" b="0" i="0" u="none" strike="noStrike" cap="none">
+                <a:solidFill>
+                  <a:srgbClr val="000000"/>
+                </a:solidFill>
+                <a:latin typeface="Arial"/>
+                <a:ea typeface="Arial"/>
+                <a:cs typeface="Arial"/>
+                <a:sym typeface="Arial"/>
+              </a:defRPr>
+            </a:lvl8pPr>
+            <a:lvl9pPr marR="0" lvl="8" algn="l" rtl="0">
+              <a:lnSpc>
+                <a:spcPct val="100000"/>
+              </a:lnSpc>
+              <a:spcBef>
+                <a:spcPts val="0"/>
+              </a:spcBef>
+              <a:spcAft>
+                <a:spcPts val="0"/>
+              </a:spcAft>
+              <a:buClr>
+                <a:srgbClr val="000000"/>
+              </a:buClr>
+              <a:buFont typeface="Arial"/>
+              <a:defRPr sz="1400" b="0" i="0" u="none" strike="noStrike" cap="none">
+                <a:solidFill>
+                  <a:srgbClr val="000000"/>
+                </a:solidFill>
+                <a:latin typeface="Arial"/>
+                <a:ea typeface="Arial"/>
+                <a:cs typeface="Arial"/>
+                <a:sym typeface="Arial"/>
+              </a:defRPr>
+            </a:lvl9pPr>
+          </a:lstStyle>
+          <a:p>
+            <a:pPr marL="285750" indent="-285750">
+              <a:buClr>
+                <a:schemeClr val="tx1"/>
+              </a:buClr>
+              <a:buSzPct val="125000"/>
+              <a:buFont typeface="Arial" pitchFamily="34" charset="0"/>
+              <a:buChar char="•"/>
+            </a:pPr>
+            <a:r>
+              <a:rPr lang="en-IN" sz="2200" dirty="0" smtClean="0">
+                <a:solidFill>
+                  <a:schemeClr val="tx1"/>
+                </a:solidFill>
+                <a:latin typeface="Times New Roman" pitchFamily="18" charset="0"/>
+              </a:rPr>
+              <a:t>The query is to retrieve agency_name in which there are no id_with_errors</a:t>
+            </a:r>
+          </a:p>
+          <a:p>
+            <a:pPr marL="285750" indent="-285750">
+              <a:buClr>
+                <a:schemeClr val="tx1"/>
+              </a:buClr>
+              <a:buSzPct val="125000"/>
+              <a:buFont typeface="Arial" pitchFamily="34" charset="0"/>
+              <a:buChar char="•"/>
+            </a:pPr>
+            <a:r>
+              <a:rPr lang="en-IN" sz="2200" dirty="0" smtClean="0">
+                <a:solidFill>
+                  <a:schemeClr val="tx1"/>
+                </a:solidFill>
+                <a:latin typeface="Times New Roman" pitchFamily="18" charset="0"/>
+              </a:rPr>
+              <a:t>I used nested query inside a bool query</a:t>
+            </a:r>
+          </a:p>
+          <a:p>
+            <a:pPr marL="285750" indent="-285750">
+              <a:buClr>
+                <a:schemeClr val="tx1"/>
+              </a:buClr>
+              <a:buSzPct val="125000"/>
+              <a:buFont typeface="Arial" pitchFamily="34" charset="0"/>
+              <a:buChar char="•"/>
+            </a:pPr>
+            <a:r>
+              <a:rPr lang="en-IN" sz="2200" dirty="0" smtClean="0">
+                <a:solidFill>
+                  <a:schemeClr val="tx1"/>
+                </a:solidFill>
+                <a:latin typeface="Times New Roman" pitchFamily="18" charset="0"/>
+              </a:rPr>
+              <a:t>First checked that there is no id_with_errors in ids and then checked for no forms with failed checks in ids and finally for no form_name failure in forms</a:t>
+            </a:r>
+          </a:p>
+          <a:p>
+            <a:pPr marL="285750" indent="-285750">
+              <a:buClr>
+                <a:schemeClr val="tx1"/>
+              </a:buClr>
+              <a:buSzPct val="125000"/>
+              <a:buFont typeface="Arial" pitchFamily="34" charset="0"/>
+              <a:buChar char="•"/>
+            </a:pPr>
+            <a:r>
+              <a:rPr lang="en-IN" sz="2200" dirty="0" smtClean="0">
+                <a:solidFill>
+                  <a:schemeClr val="tx1"/>
+                </a:solidFill>
+                <a:latin typeface="Times New Roman" pitchFamily="18" charset="0"/>
+              </a:rPr>
+              <a:t>Similarly other two queries are also done</a:t>
+            </a:r>
+          </a:p>
+          <a:p>
+            <a:pPr marL="285750" indent="-285750">
+              <a:buClr>
+                <a:schemeClr val="tx1"/>
+              </a:buClr>
+              <a:buSzPct val="125000"/>
+              <a:buFont typeface="Arial" pitchFamily="34" charset="0"/>
+              <a:buChar char="•"/>
+            </a:pPr>
+            <a:endParaRPr lang="en-IN" sz="2200" dirty="0" smtClean="0">
+              <a:solidFill>
+                <a:schemeClr val="tx1"/>
+              </a:solidFill>
+              <a:latin typeface="Times New Roman" pitchFamily="18" charset="0"/>
+            </a:endParaRPr>
+          </a:p>
+        </p:txBody>
+      </p:sp>
+      <p:pic>
+        <p:nvPicPr>
+          <p:cNvPr id="6" name="Picture 3"/>
+          <p:cNvPicPr>
+            <a:picLocks noChangeAspect="1" noChangeArrowheads="1"/>
+          </p:cNvPicPr>
+          <p:nvPr/>
+        </p:nvPicPr>
+        <p:blipFill>
+          <a:blip r:embed="rId2">
+            <a:extLst>
+              <a:ext uri="{28A0092B-C50C-407E-A947-70E740481C1C}">
+                <a14:useLocalDpi xmlns:a14="http://schemas.microsoft.com/office/drawing/2010/main" val="0"/>
+              </a:ext>
+            </a:extLst>
+          </a:blip>
+          <a:srcRect/>
+          <a:stretch>
+            <a:fillRect/>
+          </a:stretch>
+        </p:blipFill>
+        <p:spPr bwMode="auto">
+          <a:xfrm>
+            <a:off x="6096000" y="990600"/>
+            <a:ext cx="5922534" cy="5668172"/>
+          </a:xfrm>
+          <a:prstGeom prst="rect">
+            <a:avLst/>
+          </a:prstGeom>
+          <a:noFill/>
+          <a:ln>
+            <a:noFill/>
+          </a:ln>
+          <a:effectLst/>
+          <a:extLst>
+            <a:ext uri="{909E8E84-426E-40DD-AFC4-6F175D3DCCD1}">
+              <a14:hiddenFill xmlns:a14="http://schemas.microsoft.com/office/drawing/2010/main">
+                <a:solidFill>
+                  <a:schemeClr val="accent1"/>
+                </a:solidFill>
+              </a14:hiddenFill>
+            </a:ext>
+            <a:ext uri="{91240B29-F687-4F45-9708-019B960494DF}">
+              <a14:hiddenLine xmlns:a14="http://schemas.microsoft.com/office/drawing/2010/main" w="9525">
+                <a:solidFill>
+                  <a:schemeClr val="tx1"/>
+                </a:solidFill>
+                <a:miter lim="800000"/>
+                <a:headEnd/>
+                <a:tailEnd/>
+              </a14:hiddenLine>
+            </a:ext>
+            <a:ext uri="{AF507438-7753-43E0-B8FC-AC1667EBCBE1}">
+              <a14:hiddenEffects xmlns:a14="http://schemas.microsoft.com/office/drawing/2010/main">
+                <a:effectLst>
+                  <a:outerShdw dist="35921" dir="2700000" algn="ctr" rotWithShape="0">
+                    <a:schemeClr val="bg2"/>
+                  </a:outerShdw>
+                </a:effectLst>
+              </a14:hiddenEffects>
+            </a:ext>
+          </a:extLst>
+        </p:spPr>
+      </p:pic>
+      <p:sp>
+        <p:nvSpPr>
+          <p:cNvPr id="7" name="Google Shape;645;p60"/>
+          <p:cNvSpPr/>
+          <p:nvPr/>
+        </p:nvSpPr>
+        <p:spPr>
+          <a:xfrm rot="5400000">
+            <a:off x="2900918" y="649334"/>
+            <a:ext cx="43200" cy="1980600"/>
+          </a:xfrm>
+          <a:prstGeom prst="rect">
+            <a:avLst/>
+          </a:prstGeom>
+          <a:solidFill>
+            <a:schemeClr val="lt2"/>
+          </a:solidFill>
+          <a:ln>
+            <a:noFill/>
+          </a:ln>
+        </p:spPr>
+        <p:txBody>
+          <a:bodyPr spcFirstLastPara="1" wrap="square" lIns="91425" tIns="91425" rIns="91425" bIns="91425" anchor="ctr" anchorCtr="0">
+            <a:noAutofit/>
+          </a:bodyPr>
+          <a:lstStyle/>
+          <a:p>
+            <a:pPr marL="0" lvl="0" indent="0" algn="l" rtl="0">
+              <a:spcBef>
+                <a:spcPts val="0"/>
+              </a:spcBef>
+              <a:spcAft>
+                <a:spcPts val="0"/>
+              </a:spcAft>
+              <a:buNone/>
+            </a:pPr>
+            <a:endParaRPr>
+              <a:latin typeface="Times New Roman" pitchFamily="18" charset="0"/>
+            </a:endParaRPr>
+          </a:p>
+        </p:txBody>
+      </p:sp>
+    </p:spTree>
+    <p:extLst>
+      <p:ext uri="{BB962C8B-B14F-4D97-AF65-F5344CB8AC3E}">
+        <p14:creationId xmlns:p14="http://schemas.microsoft.com/office/powerpoint/2010/main" val="2190786470"/>
+      </p:ext>
+    </p:extLst>
+  </p:cSld>
+  <p:clrMapOvr>
+    <a:masterClrMapping/>
+  </p:clrMapOvr>
+  <p:timing>
+    <p:tnLst>
+      <p:par>
+        <p:cTn id="1" dur="indefinite" restart="never" nodeType="tmRoot"/>
+      </p:par>
+    </p:tnLst>
+  </p:timing>
+</p:sld>
+</file>
+
+<file path=ppt/slides/slide11.xml><?xml version="1.0" encoding="utf-8"?>
 <p:sld xmlns:a="http://schemas.openxmlformats.org/drawingml/2006/main" xmlns:r="http://schemas.openxmlformats.org/officeDocument/2006/relationships" xmlns:p="http://schemas.openxmlformats.org/presentationml/2006/main">
   <p:cSld>
     <p:spTree>
@@ -8037,7 +8576,7 @@
 </p:sld>
 </file>
 
-<file path=ppt/slides/slide11.xml><?xml version="1.0" encoding="utf-8"?>
+<file path=ppt/slides/slide12.xml><?xml version="1.0" encoding="utf-8"?>
 <p:sld xmlns:a="http://schemas.openxmlformats.org/drawingml/2006/main" xmlns:r="http://schemas.openxmlformats.org/officeDocument/2006/relationships" xmlns:p="http://schemas.openxmlformats.org/presentationml/2006/main">
   <p:cSld>
     <p:spTree>
@@ -8809,7 +9348,7 @@
 </p:sld>
 </file>
 
-<file path=ppt/slides/slide12.xml><?xml version="1.0" encoding="utf-8"?>
+<file path=ppt/slides/slide13.xml><?xml version="1.0" encoding="utf-8"?>
 <p:sld xmlns:a="http://schemas.openxmlformats.org/drawingml/2006/main" xmlns:r="http://schemas.openxmlformats.org/officeDocument/2006/relationships" xmlns:p="http://schemas.openxmlformats.org/presentationml/2006/main">
   <p:cSld>
     <p:spTree>
@@ -9267,7 +9806,7 @@
 </p:sld>
 </file>
 
-<file path=ppt/slides/slide13.xml><?xml version="1.0" encoding="utf-8"?>
+<file path=ppt/slides/slide14.xml><?xml version="1.0" encoding="utf-8"?>
 <p:sld xmlns:a="http://schemas.openxmlformats.org/drawingml/2006/main" xmlns:r="http://schemas.openxmlformats.org/officeDocument/2006/relationships" xmlns:p="http://schemas.openxmlformats.org/presentationml/2006/main">
   <p:cSld>
     <p:spTree>
@@ -11680,7 +12219,7 @@
 </p:sld>
 </file>
 
-<file path=ppt/slides/slide14.xml><?xml version="1.0" encoding="utf-8"?>
+<file path=ppt/slides/slide15.xml><?xml version="1.0" encoding="utf-8"?>
 <p:sld xmlns:a="http://schemas.openxmlformats.org/drawingml/2006/main" xmlns:r="http://schemas.openxmlformats.org/officeDocument/2006/relationships" xmlns:p="http://schemas.openxmlformats.org/presentationml/2006/main">
   <p:cSld>
     <p:spTree>
@@ -11804,7 +12343,7 @@
 </p:sld>
 </file>
 
-<file path=ppt/slides/slide15.xml><?xml version="1.0" encoding="utf-8"?>
+<file path=ppt/slides/slide16.xml><?xml version="1.0" encoding="utf-8"?>
 <p:sld xmlns:a="http://schemas.openxmlformats.org/drawingml/2006/main" xmlns:r="http://schemas.openxmlformats.org/officeDocument/2006/relationships" xmlns:p="http://schemas.openxmlformats.org/presentationml/2006/main">
   <p:cSld>
     <p:spTree>
@@ -11947,7 +12486,7 @@
               <a:rPr lang="en-IN" b="1" dirty="0" smtClean="0">
                 <a:latin typeface="Times New Roman" pitchFamily="18" charset="0"/>
               </a:rPr>
-              <a:t>Contents</a:t>
+              <a:t>Company</a:t>
             </a:r>
             <a:endParaRPr lang="en-IN" b="1" dirty="0">
               <a:latin typeface="Times New Roman" pitchFamily="18" charset="0"/>
@@ -12007,6 +12546,744 @@
         </p:nvSpPr>
         <p:spPr>
           <a:xfrm>
+            <a:off x="1783820" y="2971800"/>
+            <a:ext cx="4985353" cy="3568080"/>
+          </a:xfrm>
+          <a:prstGeom prst="rect">
+            <a:avLst/>
+          </a:prstGeom>
+        </p:spPr>
+        <p:txBody>
+          <a:bodyPr spcFirstLastPara="1" wrap="square" lIns="91425" tIns="91425" rIns="91425" bIns="91425" anchor="t" anchorCtr="0">
+            <a:noAutofit/>
+          </a:bodyPr>
+          <a:lstStyle>
+            <a:defPPr marR="0" lvl="0" algn="l" rtl="0">
+              <a:lnSpc>
+                <a:spcPct val="100000"/>
+              </a:lnSpc>
+              <a:spcBef>
+                <a:spcPts val="0"/>
+              </a:spcBef>
+              <a:spcAft>
+                <a:spcPts val="0"/>
+              </a:spcAft>
+            </a:defPPr>
+            <a:lvl1pPr marR="0" lvl="0" algn="l" rtl="0">
+              <a:lnSpc>
+                <a:spcPct val="100000"/>
+              </a:lnSpc>
+              <a:spcBef>
+                <a:spcPts val="0"/>
+              </a:spcBef>
+              <a:spcAft>
+                <a:spcPts val="0"/>
+              </a:spcAft>
+              <a:buClr>
+                <a:srgbClr val="000000"/>
+              </a:buClr>
+              <a:buFont typeface="Arial"/>
+              <a:defRPr sz="1400" b="0" i="0" u="none" strike="noStrike" cap="none">
+                <a:solidFill>
+                  <a:srgbClr val="000000"/>
+                </a:solidFill>
+                <a:latin typeface="Arial"/>
+                <a:ea typeface="Arial"/>
+                <a:cs typeface="Arial"/>
+                <a:sym typeface="Arial"/>
+              </a:defRPr>
+            </a:lvl1pPr>
+            <a:lvl2pPr marR="0" lvl="1" algn="l" rtl="0">
+              <a:lnSpc>
+                <a:spcPct val="100000"/>
+              </a:lnSpc>
+              <a:spcBef>
+                <a:spcPts val="0"/>
+              </a:spcBef>
+              <a:spcAft>
+                <a:spcPts val="0"/>
+              </a:spcAft>
+              <a:buClr>
+                <a:srgbClr val="000000"/>
+              </a:buClr>
+              <a:buFont typeface="Arial"/>
+              <a:defRPr sz="1400" b="0" i="0" u="none" strike="noStrike" cap="none">
+                <a:solidFill>
+                  <a:srgbClr val="000000"/>
+                </a:solidFill>
+                <a:latin typeface="Arial"/>
+                <a:ea typeface="Arial"/>
+                <a:cs typeface="Arial"/>
+                <a:sym typeface="Arial"/>
+              </a:defRPr>
+            </a:lvl2pPr>
+            <a:lvl3pPr marR="0" lvl="2" algn="l" rtl="0">
+              <a:lnSpc>
+                <a:spcPct val="100000"/>
+              </a:lnSpc>
+              <a:spcBef>
+                <a:spcPts val="0"/>
+              </a:spcBef>
+              <a:spcAft>
+                <a:spcPts val="0"/>
+              </a:spcAft>
+              <a:buClr>
+                <a:srgbClr val="000000"/>
+              </a:buClr>
+              <a:buFont typeface="Arial"/>
+              <a:defRPr sz="1400" b="0" i="0" u="none" strike="noStrike" cap="none">
+                <a:solidFill>
+                  <a:srgbClr val="000000"/>
+                </a:solidFill>
+                <a:latin typeface="Arial"/>
+                <a:ea typeface="Arial"/>
+                <a:cs typeface="Arial"/>
+                <a:sym typeface="Arial"/>
+              </a:defRPr>
+            </a:lvl3pPr>
+            <a:lvl4pPr marR="0" lvl="3" algn="l" rtl="0">
+              <a:lnSpc>
+                <a:spcPct val="100000"/>
+              </a:lnSpc>
+              <a:spcBef>
+                <a:spcPts val="0"/>
+              </a:spcBef>
+              <a:spcAft>
+                <a:spcPts val="0"/>
+              </a:spcAft>
+              <a:buClr>
+                <a:srgbClr val="000000"/>
+              </a:buClr>
+              <a:buFont typeface="Arial"/>
+              <a:defRPr sz="1400" b="0" i="0" u="none" strike="noStrike" cap="none">
+                <a:solidFill>
+                  <a:srgbClr val="000000"/>
+                </a:solidFill>
+                <a:latin typeface="Arial"/>
+                <a:ea typeface="Arial"/>
+                <a:cs typeface="Arial"/>
+                <a:sym typeface="Arial"/>
+              </a:defRPr>
+            </a:lvl4pPr>
+            <a:lvl5pPr marR="0" lvl="4" algn="l" rtl="0">
+              <a:lnSpc>
+                <a:spcPct val="100000"/>
+              </a:lnSpc>
+              <a:spcBef>
+                <a:spcPts val="0"/>
+              </a:spcBef>
+              <a:spcAft>
+                <a:spcPts val="0"/>
+              </a:spcAft>
+              <a:buClr>
+                <a:srgbClr val="000000"/>
+              </a:buClr>
+              <a:buFont typeface="Arial"/>
+              <a:defRPr sz="1400" b="0" i="0" u="none" strike="noStrike" cap="none">
+                <a:solidFill>
+                  <a:srgbClr val="000000"/>
+                </a:solidFill>
+                <a:latin typeface="Arial"/>
+                <a:ea typeface="Arial"/>
+                <a:cs typeface="Arial"/>
+                <a:sym typeface="Arial"/>
+              </a:defRPr>
+            </a:lvl5pPr>
+            <a:lvl6pPr marR="0" lvl="5" algn="l" rtl="0">
+              <a:lnSpc>
+                <a:spcPct val="100000"/>
+              </a:lnSpc>
+              <a:spcBef>
+                <a:spcPts val="0"/>
+              </a:spcBef>
+              <a:spcAft>
+                <a:spcPts val="0"/>
+              </a:spcAft>
+              <a:buClr>
+                <a:srgbClr val="000000"/>
+              </a:buClr>
+              <a:buFont typeface="Arial"/>
+              <a:defRPr sz="1400" b="0" i="0" u="none" strike="noStrike" cap="none">
+                <a:solidFill>
+                  <a:srgbClr val="000000"/>
+                </a:solidFill>
+                <a:latin typeface="Arial"/>
+                <a:ea typeface="Arial"/>
+                <a:cs typeface="Arial"/>
+                <a:sym typeface="Arial"/>
+              </a:defRPr>
+            </a:lvl6pPr>
+            <a:lvl7pPr marR="0" lvl="6" algn="l" rtl="0">
+              <a:lnSpc>
+                <a:spcPct val="100000"/>
+              </a:lnSpc>
+              <a:spcBef>
+                <a:spcPts val="0"/>
+              </a:spcBef>
+              <a:spcAft>
+                <a:spcPts val="0"/>
+              </a:spcAft>
+              <a:buClr>
+                <a:srgbClr val="000000"/>
+              </a:buClr>
+              <a:buFont typeface="Arial"/>
+              <a:defRPr sz="1400" b="0" i="0" u="none" strike="noStrike" cap="none">
+                <a:solidFill>
+                  <a:srgbClr val="000000"/>
+                </a:solidFill>
+                <a:latin typeface="Arial"/>
+                <a:ea typeface="Arial"/>
+                <a:cs typeface="Arial"/>
+                <a:sym typeface="Arial"/>
+              </a:defRPr>
+            </a:lvl7pPr>
+            <a:lvl8pPr marR="0" lvl="7" algn="l" rtl="0">
+              <a:lnSpc>
+                <a:spcPct val="100000"/>
+              </a:lnSpc>
+              <a:spcBef>
+                <a:spcPts val="0"/>
+              </a:spcBef>
+              <a:spcAft>
+                <a:spcPts val="0"/>
+              </a:spcAft>
+              <a:buClr>
+                <a:srgbClr val="000000"/>
+              </a:buClr>
+              <a:buFont typeface="Arial"/>
+              <a:defRPr sz="1400" b="0" i="0" u="none" strike="noStrike" cap="none">
+                <a:solidFill>
+                  <a:srgbClr val="000000"/>
+                </a:solidFill>
+                <a:latin typeface="Arial"/>
+                <a:ea typeface="Arial"/>
+                <a:cs typeface="Arial"/>
+                <a:sym typeface="Arial"/>
+              </a:defRPr>
+            </a:lvl8pPr>
+            <a:lvl9pPr marR="0" lvl="8" algn="l" rtl="0">
+              <a:lnSpc>
+                <a:spcPct val="100000"/>
+              </a:lnSpc>
+              <a:spcBef>
+                <a:spcPts val="0"/>
+              </a:spcBef>
+              <a:spcAft>
+                <a:spcPts val="0"/>
+              </a:spcAft>
+              <a:buClr>
+                <a:srgbClr val="000000"/>
+              </a:buClr>
+              <a:buFont typeface="Arial"/>
+              <a:defRPr sz="1400" b="0" i="0" u="none" strike="noStrike" cap="none">
+                <a:solidFill>
+                  <a:srgbClr val="000000"/>
+                </a:solidFill>
+                <a:latin typeface="Arial"/>
+                <a:ea typeface="Arial"/>
+                <a:cs typeface="Arial"/>
+                <a:sym typeface="Arial"/>
+              </a:defRPr>
+            </a:lvl9pPr>
+          </a:lstStyle>
+          <a:p>
+            <a:pPr marL="285750" indent="-285750">
+              <a:buClr>
+                <a:schemeClr val="tx1"/>
+              </a:buClr>
+              <a:buSzPct val="125000"/>
+              <a:buFont typeface="Arial" pitchFamily="34" charset="0"/>
+              <a:buChar char="•"/>
+            </a:pPr>
+            <a:r>
+              <a:rPr lang="en-IN" sz="2400" dirty="0">
+                <a:latin typeface="Times New Roman" pitchFamily="18" charset="0"/>
+              </a:rPr>
+              <a:t>Payroll </a:t>
+            </a:r>
+            <a:r>
+              <a:rPr lang="en-IN" sz="2400" dirty="0" smtClean="0">
+                <a:latin typeface="Times New Roman" pitchFamily="18" charset="0"/>
+              </a:rPr>
+              <a:t>Services</a:t>
+            </a:r>
+          </a:p>
+          <a:p>
+            <a:pPr marL="285750" indent="-285750">
+              <a:buClr>
+                <a:schemeClr val="tx1"/>
+              </a:buClr>
+              <a:buSzPct val="125000"/>
+              <a:buFont typeface="Arial" pitchFamily="34" charset="0"/>
+              <a:buChar char="•"/>
+            </a:pPr>
+            <a:r>
+              <a:rPr lang="en-IN" sz="2400" dirty="0" smtClean="0">
+                <a:latin typeface="Times New Roman" pitchFamily="18" charset="0"/>
+              </a:rPr>
+              <a:t>Time and attendance</a:t>
+            </a:r>
+          </a:p>
+          <a:p>
+            <a:pPr marL="285750" indent="-285750">
+              <a:buClr>
+                <a:schemeClr val="tx1"/>
+              </a:buClr>
+              <a:buSzPct val="125000"/>
+              <a:buFont typeface="Arial" pitchFamily="34" charset="0"/>
+              <a:buChar char="•"/>
+            </a:pPr>
+            <a:r>
+              <a:rPr lang="en-IN" sz="2400" dirty="0" smtClean="0">
+                <a:latin typeface="Times New Roman" pitchFamily="18" charset="0"/>
+              </a:rPr>
+              <a:t>HR Insights</a:t>
+            </a:r>
+          </a:p>
+          <a:p>
+            <a:pPr marL="285750" indent="-285750">
+              <a:buClr>
+                <a:schemeClr val="tx1"/>
+              </a:buClr>
+              <a:buSzPct val="125000"/>
+              <a:buFont typeface="Arial" pitchFamily="34" charset="0"/>
+              <a:buChar char="•"/>
+            </a:pPr>
+            <a:r>
+              <a:rPr lang="en-IN" sz="2400" dirty="0" smtClean="0">
+                <a:latin typeface="Times New Roman" pitchFamily="18" charset="0"/>
+              </a:rPr>
+              <a:t>HR Services</a:t>
+            </a:r>
+          </a:p>
+          <a:p>
+            <a:pPr marL="285750" indent="-285750">
+              <a:buClr>
+                <a:schemeClr val="tx1"/>
+              </a:buClr>
+              <a:buSzPct val="125000"/>
+              <a:buFont typeface="Arial" pitchFamily="34" charset="0"/>
+              <a:buChar char="•"/>
+            </a:pPr>
+            <a:r>
+              <a:rPr lang="en-IN" sz="2400" dirty="0">
+                <a:latin typeface="Times New Roman" pitchFamily="18" charset="0"/>
+              </a:rPr>
+              <a:t>Talent acquisition</a:t>
+            </a:r>
+          </a:p>
+          <a:p>
+            <a:pPr marL="285750" indent="-285750">
+              <a:buClr>
+                <a:schemeClr val="tx1"/>
+              </a:buClr>
+              <a:buSzPct val="125000"/>
+              <a:buFont typeface="Arial" pitchFamily="34" charset="0"/>
+              <a:buChar char="•"/>
+            </a:pPr>
+            <a:r>
+              <a:rPr lang="en-IN" sz="2400" dirty="0" smtClean="0">
+                <a:latin typeface="Times New Roman" pitchFamily="18" charset="0"/>
+              </a:rPr>
+              <a:t>Workforce management</a:t>
+            </a:r>
+            <a:endParaRPr lang="en-IN" sz="2400" dirty="0">
+              <a:latin typeface="Times New Roman" pitchFamily="18" charset="0"/>
+            </a:endParaRPr>
+          </a:p>
+          <a:p>
+            <a:pPr marL="285750" indent="-285750">
+              <a:buClr>
+                <a:schemeClr val="tx1"/>
+              </a:buClr>
+              <a:buSzPct val="125000"/>
+              <a:buFont typeface="Arial" pitchFamily="34" charset="0"/>
+              <a:buChar char="•"/>
+            </a:pPr>
+            <a:endParaRPr lang="en-IN" sz="2200" dirty="0" smtClean="0">
+              <a:solidFill>
+                <a:schemeClr val="tx1"/>
+              </a:solidFill>
+              <a:latin typeface="Times New Roman" pitchFamily="18" charset="0"/>
+            </a:endParaRPr>
+          </a:p>
+        </p:txBody>
+      </p:sp>
+      <p:pic>
+        <p:nvPicPr>
+          <p:cNvPr id="7" name="Picture 6"/>
+          <p:cNvPicPr>
+            <a:picLocks noChangeAspect="1"/>
+          </p:cNvPicPr>
+          <p:nvPr/>
+        </p:nvPicPr>
+        <p:blipFill>
+          <a:blip r:embed="rId2" cstate="print">
+            <a:extLst>
+              <a:ext uri="{28A0092B-C50C-407E-A947-70E740481C1C}">
+                <a14:useLocalDpi xmlns:a14="http://schemas.microsoft.com/office/drawing/2010/main" val="0"/>
+              </a:ext>
+            </a:extLst>
+          </a:blip>
+          <a:stretch>
+            <a:fillRect/>
+          </a:stretch>
+        </p:blipFill>
+        <p:spPr>
+          <a:xfrm>
+            <a:off x="6858000" y="3448050"/>
+            <a:ext cx="2404196" cy="1512163"/>
+          </a:xfrm>
+          <a:prstGeom prst="rect">
+            <a:avLst/>
+          </a:prstGeom>
+        </p:spPr>
+      </p:pic>
+      <p:sp>
+        <p:nvSpPr>
+          <p:cNvPr id="8" name="Google Shape;629;p60"/>
+          <p:cNvSpPr txBox="1">
+            <a:spLocks/>
+          </p:cNvSpPr>
+          <p:nvPr/>
+        </p:nvSpPr>
+        <p:spPr>
+          <a:xfrm>
+            <a:off x="1705614" y="1981200"/>
+            <a:ext cx="7438386" cy="737696"/>
+          </a:xfrm>
+          <a:prstGeom prst="rect">
+            <a:avLst/>
+          </a:prstGeom>
+        </p:spPr>
+        <p:txBody>
+          <a:bodyPr spcFirstLastPara="1" vert="horz" wrap="square" lIns="91425" tIns="91425" rIns="91425" bIns="91425" rtlCol="0" anchor="t" anchorCtr="0">
+            <a:noAutofit/>
+          </a:bodyPr>
+          <a:lstStyle>
+            <a:lvl1pPr marL="228600" indent="-228600" algn="l" defTabSz="914400" rtl="0" eaLnBrk="1" latinLnBrk="0" hangingPunct="1">
+              <a:lnSpc>
+                <a:spcPct val="90000"/>
+              </a:lnSpc>
+              <a:spcBef>
+                <a:spcPts val="1000"/>
+              </a:spcBef>
+              <a:buFont typeface="Arial" panose="020B0604020202020204" pitchFamily="34" charset="0"/>
+              <a:buChar char="•"/>
+              <a:defRPr sz="2800" kern="1200">
+                <a:solidFill>
+                  <a:schemeClr val="tx1"/>
+                </a:solidFill>
+                <a:latin typeface="+mn-lt"/>
+                <a:ea typeface="+mn-ea"/>
+                <a:cs typeface="+mn-cs"/>
+              </a:defRPr>
+            </a:lvl1pPr>
+            <a:lvl2pPr marL="457200" indent="0" algn="l" defTabSz="914400" rtl="0" eaLnBrk="1" latinLnBrk="0" hangingPunct="1">
+              <a:lnSpc>
+                <a:spcPct val="90000"/>
+              </a:lnSpc>
+              <a:spcBef>
+                <a:spcPts val="500"/>
+              </a:spcBef>
+              <a:buFont typeface="Arial" panose="020B0604020202020204" pitchFamily="34" charset="0"/>
+              <a:buNone/>
+              <a:defRPr sz="2400" kern="1200">
+                <a:solidFill>
+                  <a:schemeClr val="tx1"/>
+                </a:solidFill>
+                <a:latin typeface="+mn-lt"/>
+                <a:ea typeface="+mn-ea"/>
+                <a:cs typeface="+mn-cs"/>
+              </a:defRPr>
+            </a:lvl2pPr>
+            <a:lvl3pPr marL="914400" indent="0" algn="l" defTabSz="914400" rtl="0" eaLnBrk="1" latinLnBrk="0" hangingPunct="1">
+              <a:lnSpc>
+                <a:spcPct val="90000"/>
+              </a:lnSpc>
+              <a:spcBef>
+                <a:spcPts val="500"/>
+              </a:spcBef>
+              <a:buFont typeface="Arial" panose="020B0604020202020204" pitchFamily="34" charset="0"/>
+              <a:buNone/>
+              <a:defRPr sz="2000" kern="1200">
+                <a:solidFill>
+                  <a:schemeClr val="tx1"/>
+                </a:solidFill>
+                <a:latin typeface="+mn-lt"/>
+                <a:ea typeface="+mn-ea"/>
+                <a:cs typeface="+mn-cs"/>
+              </a:defRPr>
+            </a:lvl3pPr>
+            <a:lvl4pPr marL="1371600" indent="0" algn="l" defTabSz="914400" rtl="0" eaLnBrk="1" latinLnBrk="0" hangingPunct="1">
+              <a:lnSpc>
+                <a:spcPct val="90000"/>
+              </a:lnSpc>
+              <a:spcBef>
+                <a:spcPts val="500"/>
+              </a:spcBef>
+              <a:buFont typeface="Arial" panose="020B0604020202020204" pitchFamily="34" charset="0"/>
+              <a:buNone/>
+              <a:defRPr sz="1800" kern="1200">
+                <a:solidFill>
+                  <a:schemeClr val="tx1"/>
+                </a:solidFill>
+                <a:latin typeface="+mn-lt"/>
+                <a:ea typeface="+mn-ea"/>
+                <a:cs typeface="+mn-cs"/>
+              </a:defRPr>
+            </a:lvl4pPr>
+            <a:lvl5pPr marL="1828800" indent="0" algn="l" defTabSz="914400" rtl="0" eaLnBrk="1" latinLnBrk="0" hangingPunct="1">
+              <a:lnSpc>
+                <a:spcPct val="90000"/>
+              </a:lnSpc>
+              <a:spcBef>
+                <a:spcPts val="500"/>
+              </a:spcBef>
+              <a:buFont typeface="Arial" panose="020B0604020202020204" pitchFamily="34" charset="0"/>
+              <a:buNone/>
+              <a:defRPr sz="1800" kern="1200">
+                <a:solidFill>
+                  <a:schemeClr val="tx1"/>
+                </a:solidFill>
+                <a:latin typeface="+mn-lt"/>
+                <a:ea typeface="+mn-ea"/>
+                <a:cs typeface="+mn-cs"/>
+              </a:defRPr>
+            </a:lvl5pPr>
+            <a:lvl6pPr marL="2514600" indent="-228600" algn="l" defTabSz="914400" rtl="0" eaLnBrk="1" latinLnBrk="0" hangingPunct="1">
+              <a:lnSpc>
+                <a:spcPct val="90000"/>
+              </a:lnSpc>
+              <a:spcBef>
+                <a:spcPts val="500"/>
+              </a:spcBef>
+              <a:buFont typeface="Arial" panose="020B0604020202020204" pitchFamily="34" charset="0"/>
+              <a:buChar char="•"/>
+              <a:defRPr sz="1800" kern="1200">
+                <a:solidFill>
+                  <a:schemeClr val="tx1"/>
+                </a:solidFill>
+                <a:latin typeface="+mn-lt"/>
+                <a:ea typeface="+mn-ea"/>
+                <a:cs typeface="+mn-cs"/>
+              </a:defRPr>
+            </a:lvl6pPr>
+            <a:lvl7pPr marL="2971800" indent="-228600" algn="l" defTabSz="914400" rtl="0" eaLnBrk="1" latinLnBrk="0" hangingPunct="1">
+              <a:lnSpc>
+                <a:spcPct val="90000"/>
+              </a:lnSpc>
+              <a:spcBef>
+                <a:spcPts val="500"/>
+              </a:spcBef>
+              <a:buFont typeface="Arial" panose="020B0604020202020204" pitchFamily="34" charset="0"/>
+              <a:buChar char="•"/>
+              <a:defRPr sz="1800" kern="1200">
+                <a:solidFill>
+                  <a:schemeClr val="tx1"/>
+                </a:solidFill>
+                <a:latin typeface="+mn-lt"/>
+                <a:ea typeface="+mn-ea"/>
+                <a:cs typeface="+mn-cs"/>
+              </a:defRPr>
+            </a:lvl7pPr>
+            <a:lvl8pPr marL="3429000" indent="-228600" algn="l" defTabSz="914400" rtl="0" eaLnBrk="1" latinLnBrk="0" hangingPunct="1">
+              <a:lnSpc>
+                <a:spcPct val="90000"/>
+              </a:lnSpc>
+              <a:spcBef>
+                <a:spcPts val="500"/>
+              </a:spcBef>
+              <a:buFont typeface="Arial" panose="020B0604020202020204" pitchFamily="34" charset="0"/>
+              <a:buChar char="•"/>
+              <a:defRPr sz="1800" kern="1200">
+                <a:solidFill>
+                  <a:schemeClr val="tx1"/>
+                </a:solidFill>
+                <a:latin typeface="+mn-lt"/>
+                <a:ea typeface="+mn-ea"/>
+                <a:cs typeface="+mn-cs"/>
+              </a:defRPr>
+            </a:lvl8pPr>
+            <a:lvl9pPr marL="3886200" indent="-228600" algn="l" defTabSz="914400" rtl="0" eaLnBrk="1" latinLnBrk="0" hangingPunct="1">
+              <a:lnSpc>
+                <a:spcPct val="90000"/>
+              </a:lnSpc>
+              <a:spcBef>
+                <a:spcPts val="500"/>
+              </a:spcBef>
+              <a:buFont typeface="Arial" panose="020B0604020202020204" pitchFamily="34" charset="0"/>
+              <a:buChar char="•"/>
+              <a:defRPr sz="1800" kern="1200">
+                <a:solidFill>
+                  <a:schemeClr val="tx1"/>
+                </a:solidFill>
+                <a:latin typeface="+mn-lt"/>
+                <a:ea typeface="+mn-ea"/>
+                <a:cs typeface="+mn-cs"/>
+              </a:defRPr>
+            </a:lvl9pPr>
+          </a:lstStyle>
+          <a:p>
+            <a:pPr marL="0" indent="0">
+              <a:spcBef>
+                <a:spcPts val="0"/>
+              </a:spcBef>
+              <a:buFont typeface="Arial" panose="020B0604020202020204" pitchFamily="34" charset="0"/>
+              <a:buNone/>
+            </a:pPr>
+            <a:r>
+              <a:rPr lang="en-IN" sz="3000" b="1" dirty="0" smtClean="0">
+                <a:latin typeface="Times New Roman" pitchFamily="18" charset="0"/>
+              </a:rPr>
+              <a:t>ADP pvt. Ltd. (Automatic Data Processing)</a:t>
+            </a:r>
+            <a:endParaRPr lang="en-IN" sz="3000" b="1" dirty="0">
+              <a:latin typeface="Times New Roman" pitchFamily="18" charset="0"/>
+            </a:endParaRPr>
+          </a:p>
+        </p:txBody>
+      </p:sp>
+    </p:spTree>
+    <p:extLst>
+      <p:ext uri="{BB962C8B-B14F-4D97-AF65-F5344CB8AC3E}">
+        <p14:creationId xmlns:p14="http://schemas.microsoft.com/office/powerpoint/2010/main" val="1682495386"/>
+      </p:ext>
+    </p:extLst>
+  </p:cSld>
+  <p:clrMapOvr>
+    <a:masterClrMapping/>
+  </p:clrMapOvr>
+</p:sld>
+</file>
+
+<file path=ppt/slides/slide3.xml><?xml version="1.0" encoding="utf-8"?>
+<p:sld xmlns:a="http://schemas.openxmlformats.org/drawingml/2006/main" xmlns:r="http://schemas.openxmlformats.org/officeDocument/2006/relationships" xmlns:p="http://schemas.openxmlformats.org/presentationml/2006/main">
+  <p:cSld>
+    <p:spTree>
+      <p:nvGrpSpPr>
+        <p:cNvPr id="1" name=""/>
+        <p:cNvGrpSpPr/>
+        <p:nvPr/>
+      </p:nvGrpSpPr>
+      <p:grpSpPr>
+        <a:xfrm>
+          <a:off x="0" y="0"/>
+          <a:ext cx="0" cy="0"/>
+          <a:chOff x="0" y="0"/>
+          <a:chExt cx="0" cy="0"/>
+        </a:xfrm>
+      </p:grpSpPr>
+      <p:sp>
+        <p:nvSpPr>
+          <p:cNvPr id="4" name="Google Shape;453;p44"/>
+          <p:cNvSpPr txBox="1">
+            <a:spLocks/>
+          </p:cNvSpPr>
+          <p:nvPr/>
+        </p:nvSpPr>
+        <p:spPr>
+          <a:xfrm>
+            <a:off x="1600200" y="914400"/>
+            <a:ext cx="5352594" cy="815942"/>
+          </a:xfrm>
+          <a:prstGeom prst="rect">
+            <a:avLst/>
+          </a:prstGeom>
+        </p:spPr>
+        <p:txBody>
+          <a:bodyPr spcFirstLastPara="1" wrap="square" lIns="91425" tIns="91425" rIns="91425" bIns="91425" anchor="ctr" anchorCtr="0">
+            <a:noAutofit/>
+          </a:bodyPr>
+          <a:lstStyle>
+            <a:lvl1pPr algn="l" defTabSz="914400" rtl="0" eaLnBrk="1" latinLnBrk="0" hangingPunct="1">
+              <a:lnSpc>
+                <a:spcPct val="90000"/>
+              </a:lnSpc>
+              <a:spcBef>
+                <a:spcPct val="0"/>
+              </a:spcBef>
+              <a:buNone/>
+              <a:defRPr sz="4400" kern="1200">
+                <a:solidFill>
+                  <a:schemeClr val="tx1"/>
+                </a:solidFill>
+                <a:latin typeface="+mj-lt"/>
+                <a:ea typeface="+mj-ea"/>
+                <a:cs typeface="+mj-cs"/>
+              </a:defRPr>
+            </a:lvl1pPr>
+          </a:lstStyle>
+          <a:p>
+            <a:pPr>
+              <a:spcBef>
+                <a:spcPts val="0"/>
+              </a:spcBef>
+            </a:pPr>
+            <a:r>
+              <a:rPr lang="en-IN" b="1" dirty="0" smtClean="0">
+                <a:latin typeface="Times New Roman" pitchFamily="18" charset="0"/>
+              </a:rPr>
+              <a:t>Contents</a:t>
+            </a:r>
+            <a:endParaRPr lang="en-IN" b="1" dirty="0">
+              <a:latin typeface="Times New Roman" pitchFamily="18" charset="0"/>
+            </a:endParaRPr>
+          </a:p>
+        </p:txBody>
+      </p:sp>
+      <p:sp>
+        <p:nvSpPr>
+          <p:cNvPr id="5" name="Google Shape;455;p44"/>
+          <p:cNvSpPr/>
+          <p:nvPr/>
+        </p:nvSpPr>
+        <p:spPr>
+          <a:xfrm rot="5400000">
+            <a:off x="3092446" y="408708"/>
+            <a:ext cx="59461" cy="2747246"/>
+          </a:xfrm>
+          <a:prstGeom prst="rect">
+            <a:avLst/>
+          </a:prstGeom>
+          <a:solidFill>
+            <a:schemeClr val="lt2"/>
+          </a:solidFill>
+          <a:ln>
+            <a:noFill/>
+          </a:ln>
+        </p:spPr>
+        <p:txBody>
+          <a:bodyPr spcFirstLastPara="1" wrap="square" lIns="91425" tIns="91425" rIns="91425" bIns="91425" anchor="ctr" anchorCtr="0">
+            <a:noAutofit/>
+          </a:bodyPr>
+          <a:lstStyle/>
+          <a:p>
+            <a:pPr marL="0" lvl="0" indent="0" algn="l" rtl="0">
+              <a:spcBef>
+                <a:spcPts val="0"/>
+              </a:spcBef>
+              <a:spcAft>
+                <a:spcPts val="0"/>
+              </a:spcAft>
+              <a:buNone/>
+            </a:pPr>
+            <a:endParaRPr>
+              <a:latin typeface="Times New Roman" pitchFamily="18" charset="0"/>
+            </a:endParaRPr>
+          </a:p>
+        </p:txBody>
+      </p:sp>
+      <p:sp>
+        <p:nvSpPr>
+          <p:cNvPr id="6" name="Google Shape;630;p60"/>
+          <p:cNvSpPr txBox="1">
+            <a:spLocks/>
+          </p:cNvSpPr>
+          <p:nvPr/>
+        </p:nvSpPr>
+        <p:spPr>
+          <a:xfrm>
             <a:off x="1720247" y="1994520"/>
             <a:ext cx="4985353" cy="3568080"/>
           </a:xfrm>
@@ -12440,7 +13717,7 @@
 </p:sld>
 </file>
 
-<file path=ppt/slides/slide3.xml><?xml version="1.0" encoding="utf-8"?>
+<file path=ppt/slides/slide4.xml><?xml version="1.0" encoding="utf-8"?>
 <p:sld xmlns:a="http://schemas.openxmlformats.org/drawingml/2006/main" xmlns:r="http://schemas.openxmlformats.org/officeDocument/2006/relationships" xmlns:p="http://schemas.openxmlformats.org/presentationml/2006/main">
   <p:cSld>
     <p:spTree>
@@ -15575,7 +16852,7 @@
 </p:sld>
 </file>
 
-<file path=ppt/slides/slide4.xml><?xml version="1.0" encoding="utf-8"?>
+<file path=ppt/slides/slide5.xml><?xml version="1.0" encoding="utf-8"?>
 <p:sld xmlns:a="http://schemas.openxmlformats.org/drawingml/2006/main" xmlns:r="http://schemas.openxmlformats.org/officeDocument/2006/relationships" xmlns:p="http://schemas.openxmlformats.org/presentationml/2006/main">
   <p:cSld>
     <p:spTree>
@@ -18199,7 +19476,7 @@
 </p:sld>
 </file>
 
-<file path=ppt/slides/slide5.xml><?xml version="1.0" encoding="utf-8"?>
+<file path=ppt/slides/slide6.xml><?xml version="1.0" encoding="utf-8"?>
 <p:sld xmlns:a="http://schemas.openxmlformats.org/drawingml/2006/main" xmlns:r="http://schemas.openxmlformats.org/officeDocument/2006/relationships" xmlns:p="http://schemas.openxmlformats.org/presentationml/2006/main">
   <p:cSld>
     <p:spTree>
@@ -19385,7 +20662,7 @@
 </p:sld>
 </file>
 
-<file path=ppt/slides/slide6.xml><?xml version="1.0" encoding="utf-8"?>
+<file path=ppt/slides/slide7.xml><?xml version="1.0" encoding="utf-8"?>
 <p:sld xmlns:a="http://schemas.openxmlformats.org/drawingml/2006/main" xmlns:r="http://schemas.openxmlformats.org/officeDocument/2006/relationships" xmlns:p="http://schemas.openxmlformats.org/presentationml/2006/main">
   <p:cSld>
     <p:spTree>
@@ -21186,7 +22463,7 @@
 </p:sld>
 </file>
 
-<file path=ppt/slides/slide7.xml><?xml version="1.0" encoding="utf-8"?>
+<file path=ppt/slides/slide8.xml><?xml version="1.0" encoding="utf-8"?>
 <p:sld xmlns:a="http://schemas.openxmlformats.org/drawingml/2006/main" xmlns:r="http://schemas.openxmlformats.org/officeDocument/2006/relationships" xmlns:p="http://schemas.openxmlformats.org/presentationml/2006/main">
   <p:cSld>
     <p:spTree>
@@ -21717,7 +22994,7 @@
 </p:sld>
 </file>
 
-<file path=ppt/slides/slide8.xml><?xml version="1.0" encoding="utf-8"?>
+<file path=ppt/slides/slide9.xml><?xml version="1.0" encoding="utf-8"?>
 <p:sld xmlns:a="http://schemas.openxmlformats.org/drawingml/2006/main" xmlns:r="http://schemas.openxmlformats.org/officeDocument/2006/relationships" xmlns:p="http://schemas.openxmlformats.org/presentationml/2006/main">
   <p:cSld>
     <p:spTree>
@@ -22543,544 +23820,6 @@
     <p:extLst>
       <p:ext uri="{BB962C8B-B14F-4D97-AF65-F5344CB8AC3E}">
         <p14:creationId xmlns:p14="http://schemas.microsoft.com/office/powerpoint/2010/main" val="428141079"/>
-      </p:ext>
-    </p:extLst>
-  </p:cSld>
-  <p:clrMapOvr>
-    <a:masterClrMapping/>
-  </p:clrMapOvr>
-  <p:timing>
-    <p:tnLst>
-      <p:par>
-        <p:cTn id="1" dur="indefinite" restart="never" nodeType="tmRoot"/>
-      </p:par>
-    </p:tnLst>
-  </p:timing>
-</p:sld>
-</file>
-
-<file path=ppt/slides/slide9.xml><?xml version="1.0" encoding="utf-8"?>
-<p:sld xmlns:a="http://schemas.openxmlformats.org/drawingml/2006/main" xmlns:r="http://schemas.openxmlformats.org/officeDocument/2006/relationships" xmlns:p="http://schemas.openxmlformats.org/presentationml/2006/main">
-  <p:cSld>
-    <p:spTree>
-      <p:nvGrpSpPr>
-        <p:cNvPr id="1" name=""/>
-        <p:cNvGrpSpPr/>
-        <p:nvPr/>
-      </p:nvGrpSpPr>
-      <p:grpSpPr>
-        <a:xfrm>
-          <a:off x="0" y="0"/>
-          <a:ext cx="0" cy="0"/>
-          <a:chOff x="0" y="0"/>
-          <a:chExt cx="0" cy="0"/>
-        </a:xfrm>
-      </p:grpSpPr>
-      <p:sp>
-        <p:nvSpPr>
-          <p:cNvPr id="4" name="Title 10"/>
-          <p:cNvSpPr txBox="1">
-            <a:spLocks/>
-          </p:cNvSpPr>
-          <p:nvPr/>
-        </p:nvSpPr>
-        <p:spPr>
-          <a:xfrm>
-            <a:off x="1784884" y="914400"/>
-            <a:ext cx="4158715" cy="539400"/>
-          </a:xfrm>
-          <a:prstGeom prst="rect">
-            <a:avLst/>
-          </a:prstGeom>
-        </p:spPr>
-        <p:txBody>
-          <a:bodyPr/>
-          <a:lstStyle>
-            <a:lvl1pPr algn="l" defTabSz="914400" rtl="0" eaLnBrk="1" latinLnBrk="0" hangingPunct="1">
-              <a:lnSpc>
-                <a:spcPct val="90000"/>
-              </a:lnSpc>
-              <a:spcBef>
-                <a:spcPct val="0"/>
-              </a:spcBef>
-              <a:buNone/>
-              <a:defRPr sz="4400" kern="1200">
-                <a:solidFill>
-                  <a:schemeClr val="tx1"/>
-                </a:solidFill>
-                <a:latin typeface="+mj-lt"/>
-                <a:ea typeface="+mj-ea"/>
-                <a:cs typeface="+mj-cs"/>
-              </a:defRPr>
-            </a:lvl1pPr>
-          </a:lstStyle>
-          <a:p>
-            <a:r>
-              <a:rPr lang="en-IN" b="1" dirty="0" smtClean="0">
-                <a:latin typeface="Times New Roman" pitchFamily="18" charset="0"/>
-              </a:rPr>
-              <a:t>Querying</a:t>
-            </a:r>
-            <a:endParaRPr lang="en-IN" b="1" dirty="0">
-              <a:latin typeface="Times New Roman" pitchFamily="18" charset="0"/>
-            </a:endParaRPr>
-          </a:p>
-        </p:txBody>
-      </p:sp>
-      <p:sp>
-        <p:nvSpPr>
-          <p:cNvPr id="5" name="Google Shape;630;p60"/>
-          <p:cNvSpPr txBox="1">
-            <a:spLocks/>
-          </p:cNvSpPr>
-          <p:nvPr/>
-        </p:nvSpPr>
-        <p:spPr>
-          <a:xfrm>
-            <a:off x="1746784" y="1822966"/>
-            <a:ext cx="4196815" cy="4605536"/>
-          </a:xfrm>
-          <a:prstGeom prst="rect">
-            <a:avLst/>
-          </a:prstGeom>
-        </p:spPr>
-        <p:txBody>
-          <a:bodyPr spcFirstLastPara="1" wrap="square" lIns="91425" tIns="91425" rIns="91425" bIns="91425" anchor="t" anchorCtr="0">
-            <a:noAutofit/>
-          </a:bodyPr>
-          <a:lstStyle>
-            <a:defPPr marR="0" lvl="0" algn="l" rtl="0">
-              <a:lnSpc>
-                <a:spcPct val="100000"/>
-              </a:lnSpc>
-              <a:spcBef>
-                <a:spcPts val="0"/>
-              </a:spcBef>
-              <a:spcAft>
-                <a:spcPts val="0"/>
-              </a:spcAft>
-            </a:defPPr>
-            <a:lvl1pPr marR="0" lvl="0" algn="l" rtl="0">
-              <a:lnSpc>
-                <a:spcPct val="100000"/>
-              </a:lnSpc>
-              <a:spcBef>
-                <a:spcPts val="0"/>
-              </a:spcBef>
-              <a:spcAft>
-                <a:spcPts val="0"/>
-              </a:spcAft>
-              <a:buClr>
-                <a:srgbClr val="000000"/>
-              </a:buClr>
-              <a:buFont typeface="Arial"/>
-              <a:defRPr sz="1400" b="0" i="0" u="none" strike="noStrike" cap="none">
-                <a:solidFill>
-                  <a:srgbClr val="000000"/>
-                </a:solidFill>
-                <a:latin typeface="Arial"/>
-                <a:ea typeface="Arial"/>
-                <a:cs typeface="Arial"/>
-                <a:sym typeface="Arial"/>
-              </a:defRPr>
-            </a:lvl1pPr>
-            <a:lvl2pPr marR="0" lvl="1" algn="l" rtl="0">
-              <a:lnSpc>
-                <a:spcPct val="100000"/>
-              </a:lnSpc>
-              <a:spcBef>
-                <a:spcPts val="0"/>
-              </a:spcBef>
-              <a:spcAft>
-                <a:spcPts val="0"/>
-              </a:spcAft>
-              <a:buClr>
-                <a:srgbClr val="000000"/>
-              </a:buClr>
-              <a:buFont typeface="Arial"/>
-              <a:defRPr sz="1400" b="0" i="0" u="none" strike="noStrike" cap="none">
-                <a:solidFill>
-                  <a:srgbClr val="000000"/>
-                </a:solidFill>
-                <a:latin typeface="Arial"/>
-                <a:ea typeface="Arial"/>
-                <a:cs typeface="Arial"/>
-                <a:sym typeface="Arial"/>
-              </a:defRPr>
-            </a:lvl2pPr>
-            <a:lvl3pPr marR="0" lvl="2" algn="l" rtl="0">
-              <a:lnSpc>
-                <a:spcPct val="100000"/>
-              </a:lnSpc>
-              <a:spcBef>
-                <a:spcPts val="0"/>
-              </a:spcBef>
-              <a:spcAft>
-                <a:spcPts val="0"/>
-              </a:spcAft>
-              <a:buClr>
-                <a:srgbClr val="000000"/>
-              </a:buClr>
-              <a:buFont typeface="Arial"/>
-              <a:defRPr sz="1400" b="0" i="0" u="none" strike="noStrike" cap="none">
-                <a:solidFill>
-                  <a:srgbClr val="000000"/>
-                </a:solidFill>
-                <a:latin typeface="Arial"/>
-                <a:ea typeface="Arial"/>
-                <a:cs typeface="Arial"/>
-                <a:sym typeface="Arial"/>
-              </a:defRPr>
-            </a:lvl3pPr>
-            <a:lvl4pPr marR="0" lvl="3" algn="l" rtl="0">
-              <a:lnSpc>
-                <a:spcPct val="100000"/>
-              </a:lnSpc>
-              <a:spcBef>
-                <a:spcPts val="0"/>
-              </a:spcBef>
-              <a:spcAft>
-                <a:spcPts val="0"/>
-              </a:spcAft>
-              <a:buClr>
-                <a:srgbClr val="000000"/>
-              </a:buClr>
-              <a:buFont typeface="Arial"/>
-              <a:defRPr sz="1400" b="0" i="0" u="none" strike="noStrike" cap="none">
-                <a:solidFill>
-                  <a:srgbClr val="000000"/>
-                </a:solidFill>
-                <a:latin typeface="Arial"/>
-                <a:ea typeface="Arial"/>
-                <a:cs typeface="Arial"/>
-                <a:sym typeface="Arial"/>
-              </a:defRPr>
-            </a:lvl4pPr>
-            <a:lvl5pPr marR="0" lvl="4" algn="l" rtl="0">
-              <a:lnSpc>
-                <a:spcPct val="100000"/>
-              </a:lnSpc>
-              <a:spcBef>
-                <a:spcPts val="0"/>
-              </a:spcBef>
-              <a:spcAft>
-                <a:spcPts val="0"/>
-              </a:spcAft>
-              <a:buClr>
-                <a:srgbClr val="000000"/>
-              </a:buClr>
-              <a:buFont typeface="Arial"/>
-              <a:defRPr sz="1400" b="0" i="0" u="none" strike="noStrike" cap="none">
-                <a:solidFill>
-                  <a:srgbClr val="000000"/>
-                </a:solidFill>
-                <a:latin typeface="Arial"/>
-                <a:ea typeface="Arial"/>
-                <a:cs typeface="Arial"/>
-                <a:sym typeface="Arial"/>
-              </a:defRPr>
-            </a:lvl5pPr>
-            <a:lvl6pPr marR="0" lvl="5" algn="l" rtl="0">
-              <a:lnSpc>
-                <a:spcPct val="100000"/>
-              </a:lnSpc>
-              <a:spcBef>
-                <a:spcPts val="0"/>
-              </a:spcBef>
-              <a:spcAft>
-                <a:spcPts val="0"/>
-              </a:spcAft>
-              <a:buClr>
-                <a:srgbClr val="000000"/>
-              </a:buClr>
-              <a:buFont typeface="Arial"/>
-              <a:defRPr sz="1400" b="0" i="0" u="none" strike="noStrike" cap="none">
-                <a:solidFill>
-                  <a:srgbClr val="000000"/>
-                </a:solidFill>
-                <a:latin typeface="Arial"/>
-                <a:ea typeface="Arial"/>
-                <a:cs typeface="Arial"/>
-                <a:sym typeface="Arial"/>
-              </a:defRPr>
-            </a:lvl6pPr>
-            <a:lvl7pPr marR="0" lvl="6" algn="l" rtl="0">
-              <a:lnSpc>
-                <a:spcPct val="100000"/>
-              </a:lnSpc>
-              <a:spcBef>
-                <a:spcPts val="0"/>
-              </a:spcBef>
-              <a:spcAft>
-                <a:spcPts val="0"/>
-              </a:spcAft>
-              <a:buClr>
-                <a:srgbClr val="000000"/>
-              </a:buClr>
-              <a:buFont typeface="Arial"/>
-              <a:defRPr sz="1400" b="0" i="0" u="none" strike="noStrike" cap="none">
-                <a:solidFill>
-                  <a:srgbClr val="000000"/>
-                </a:solidFill>
-                <a:latin typeface="Arial"/>
-                <a:ea typeface="Arial"/>
-                <a:cs typeface="Arial"/>
-                <a:sym typeface="Arial"/>
-              </a:defRPr>
-            </a:lvl7pPr>
-            <a:lvl8pPr marR="0" lvl="7" algn="l" rtl="0">
-              <a:lnSpc>
-                <a:spcPct val="100000"/>
-              </a:lnSpc>
-              <a:spcBef>
-                <a:spcPts val="0"/>
-              </a:spcBef>
-              <a:spcAft>
-                <a:spcPts val="0"/>
-              </a:spcAft>
-              <a:buClr>
-                <a:srgbClr val="000000"/>
-              </a:buClr>
-              <a:buFont typeface="Arial"/>
-              <a:defRPr sz="1400" b="0" i="0" u="none" strike="noStrike" cap="none">
-                <a:solidFill>
-                  <a:srgbClr val="000000"/>
-                </a:solidFill>
-                <a:latin typeface="Arial"/>
-                <a:ea typeface="Arial"/>
-                <a:cs typeface="Arial"/>
-                <a:sym typeface="Arial"/>
-              </a:defRPr>
-            </a:lvl8pPr>
-            <a:lvl9pPr marR="0" lvl="8" algn="l" rtl="0">
-              <a:lnSpc>
-                <a:spcPct val="100000"/>
-              </a:lnSpc>
-              <a:spcBef>
-                <a:spcPts val="0"/>
-              </a:spcBef>
-              <a:spcAft>
-                <a:spcPts val="0"/>
-              </a:spcAft>
-              <a:buClr>
-                <a:srgbClr val="000000"/>
-              </a:buClr>
-              <a:buFont typeface="Arial"/>
-              <a:defRPr sz="1400" b="0" i="0" u="none" strike="noStrike" cap="none">
-                <a:solidFill>
-                  <a:srgbClr val="000000"/>
-                </a:solidFill>
-                <a:latin typeface="Arial"/>
-                <a:ea typeface="Arial"/>
-                <a:cs typeface="Arial"/>
-                <a:sym typeface="Arial"/>
-              </a:defRPr>
-            </a:lvl9pPr>
-          </a:lstStyle>
-          <a:p>
-            <a:pPr marL="285750" indent="-285750">
-              <a:buClr>
-                <a:schemeClr val="tx1"/>
-              </a:buClr>
-              <a:buSzPct val="125000"/>
-              <a:buFont typeface="Arial" pitchFamily="34" charset="0"/>
-              <a:buChar char="•"/>
-            </a:pPr>
-            <a:r>
-              <a:rPr lang="en-IN" sz="2200" dirty="0" smtClean="0">
-                <a:solidFill>
-                  <a:schemeClr val="tx1"/>
-                </a:solidFill>
-                <a:latin typeface="Times New Roman" pitchFamily="18" charset="0"/>
-              </a:rPr>
-              <a:t>The query is to retrieve agency_name in which there are no id_with_errors</a:t>
-            </a:r>
-          </a:p>
-          <a:p>
-            <a:pPr marL="285750" indent="-285750">
-              <a:buClr>
-                <a:schemeClr val="tx1"/>
-              </a:buClr>
-              <a:buSzPct val="125000"/>
-              <a:buFont typeface="Arial" pitchFamily="34" charset="0"/>
-              <a:buChar char="•"/>
-            </a:pPr>
-            <a:r>
-              <a:rPr lang="en-IN" sz="2200" dirty="0" smtClean="0">
-                <a:solidFill>
-                  <a:schemeClr val="tx1"/>
-                </a:solidFill>
-                <a:latin typeface="Times New Roman" pitchFamily="18" charset="0"/>
-              </a:rPr>
-              <a:t>I used nested query inside a bool query</a:t>
-            </a:r>
-          </a:p>
-          <a:p>
-            <a:pPr marL="285750" indent="-285750">
-              <a:buClr>
-                <a:schemeClr val="tx1"/>
-              </a:buClr>
-              <a:buSzPct val="125000"/>
-              <a:buFont typeface="Arial" pitchFamily="34" charset="0"/>
-              <a:buChar char="•"/>
-            </a:pPr>
-            <a:r>
-              <a:rPr lang="en-IN" sz="2200" dirty="0" smtClean="0">
-                <a:solidFill>
-                  <a:schemeClr val="tx1"/>
-                </a:solidFill>
-                <a:latin typeface="Times New Roman" pitchFamily="18" charset="0"/>
-              </a:rPr>
-              <a:t>First checked that there is no id_with_errors in ids and then checked for no forms with failed checks in ids and finally for no form_name failure in forms</a:t>
-            </a:r>
-          </a:p>
-          <a:p>
-            <a:pPr marL="285750" indent="-285750">
-              <a:buClr>
-                <a:schemeClr val="tx1"/>
-              </a:buClr>
-              <a:buSzPct val="125000"/>
-              <a:buFont typeface="Arial" pitchFamily="34" charset="0"/>
-              <a:buChar char="•"/>
-            </a:pPr>
-            <a:r>
-              <a:rPr lang="en-IN" sz="2200" dirty="0" smtClean="0">
-                <a:solidFill>
-                  <a:schemeClr val="tx1"/>
-                </a:solidFill>
-                <a:latin typeface="Times New Roman" pitchFamily="18" charset="0"/>
-              </a:rPr>
-              <a:t>Similarly other two queries are also done</a:t>
-            </a:r>
-          </a:p>
-          <a:p>
-            <a:pPr marL="285750" indent="-285750">
-              <a:buClr>
-                <a:schemeClr val="tx1"/>
-              </a:buClr>
-              <a:buSzPct val="125000"/>
-              <a:buFont typeface="Arial" pitchFamily="34" charset="0"/>
-              <a:buChar char="•"/>
-            </a:pPr>
-            <a:endParaRPr lang="en-IN" sz="2200" dirty="0" smtClean="0">
-              <a:solidFill>
-                <a:schemeClr val="tx1"/>
-              </a:solidFill>
-              <a:latin typeface="Times New Roman" pitchFamily="18" charset="0"/>
-            </a:endParaRPr>
-          </a:p>
-        </p:txBody>
-      </p:sp>
-      <p:pic>
-        <p:nvPicPr>
-          <p:cNvPr id="6" name="Picture 3"/>
-          <p:cNvPicPr>
-            <a:picLocks noChangeAspect="1" noChangeArrowheads="1"/>
-          </p:cNvPicPr>
-          <p:nvPr/>
-        </p:nvPicPr>
-        <p:blipFill>
-          <a:blip r:embed="rId2">
-            <a:extLst>
-              <a:ext uri="{28A0092B-C50C-407E-A947-70E740481C1C}">
-                <a14:useLocalDpi xmlns:a14="http://schemas.microsoft.com/office/drawing/2010/main" val="0"/>
-              </a:ext>
-            </a:extLst>
-          </a:blip>
-          <a:srcRect/>
-          <a:stretch>
-            <a:fillRect/>
-          </a:stretch>
-        </p:blipFill>
-        <p:spPr bwMode="auto">
-          <a:xfrm>
-            <a:off x="6096000" y="990600"/>
-            <a:ext cx="5922534" cy="5668172"/>
-          </a:xfrm>
-          <a:prstGeom prst="rect">
-            <a:avLst/>
-          </a:prstGeom>
-          <a:noFill/>
-          <a:ln>
-            <a:noFill/>
-          </a:ln>
-          <a:effectLst/>
-          <a:extLst>
-            <a:ext uri="{909E8E84-426E-40DD-AFC4-6F175D3DCCD1}">
-              <a14:hiddenFill xmlns:a14="http://schemas.microsoft.com/office/drawing/2010/main">
-                <a:solidFill>
-                  <a:schemeClr val="accent1"/>
-                </a:solidFill>
-              </a14:hiddenFill>
-            </a:ext>
-            <a:ext uri="{91240B29-F687-4F45-9708-019B960494DF}">
-              <a14:hiddenLine xmlns:a14="http://schemas.microsoft.com/office/drawing/2010/main" w="9525">
-                <a:solidFill>
-                  <a:schemeClr val="tx1"/>
-                </a:solidFill>
-                <a:miter lim="800000"/>
-                <a:headEnd/>
-                <a:tailEnd/>
-              </a14:hiddenLine>
-            </a:ext>
-            <a:ext uri="{AF507438-7753-43E0-B8FC-AC1667EBCBE1}">
-              <a14:hiddenEffects xmlns:a14="http://schemas.microsoft.com/office/drawing/2010/main">
-                <a:effectLst>
-                  <a:outerShdw dist="35921" dir="2700000" algn="ctr" rotWithShape="0">
-                    <a:schemeClr val="bg2"/>
-                  </a:outerShdw>
-                </a:effectLst>
-              </a14:hiddenEffects>
-            </a:ext>
-          </a:extLst>
-        </p:spPr>
-      </p:pic>
-      <p:sp>
-        <p:nvSpPr>
-          <p:cNvPr id="7" name="Google Shape;645;p60"/>
-          <p:cNvSpPr/>
-          <p:nvPr/>
-        </p:nvSpPr>
-        <p:spPr>
-          <a:xfrm rot="5400000">
-            <a:off x="2900918" y="649334"/>
-            <a:ext cx="43200" cy="1980600"/>
-          </a:xfrm>
-          <a:prstGeom prst="rect">
-            <a:avLst/>
-          </a:prstGeom>
-          <a:solidFill>
-            <a:schemeClr val="lt2"/>
-          </a:solidFill>
-          <a:ln>
-            <a:noFill/>
-          </a:ln>
-        </p:spPr>
-        <p:txBody>
-          <a:bodyPr spcFirstLastPara="1" wrap="square" lIns="91425" tIns="91425" rIns="91425" bIns="91425" anchor="ctr" anchorCtr="0">
-            <a:noAutofit/>
-          </a:bodyPr>
-          <a:lstStyle/>
-          <a:p>
-            <a:pPr marL="0" lvl="0" indent="0" algn="l" rtl="0">
-              <a:spcBef>
-                <a:spcPts val="0"/>
-              </a:spcBef>
-              <a:spcAft>
-                <a:spcPts val="0"/>
-              </a:spcAft>
-              <a:buNone/>
-            </a:pPr>
-            <a:endParaRPr>
-              <a:latin typeface="Times New Roman" pitchFamily="18" charset="0"/>
-            </a:endParaRPr>
-          </a:p>
-        </p:txBody>
-      </p:sp>
-    </p:spTree>
-    <p:extLst>
-      <p:ext uri="{BB962C8B-B14F-4D97-AF65-F5344CB8AC3E}">
-        <p14:creationId xmlns:p14="http://schemas.microsoft.com/office/powerpoint/2010/main" val="2190786470"/>
       </p:ext>
     </p:extLst>
   </p:cSld>
